--- a/Capstone Project/Capstone.pptx
+++ b/Capstone Project/Capstone.pptx
@@ -7,20 +7,20 @@
   <p:sldIdLst>
     <p:sldId id="256" r:id="rId2"/>
     <p:sldId id="257" r:id="rId3"/>
-    <p:sldId id="258" r:id="rId4"/>
-    <p:sldId id="259" r:id="rId5"/>
-    <p:sldId id="263" r:id="rId6"/>
-    <p:sldId id="264" r:id="rId7"/>
-    <p:sldId id="266" r:id="rId8"/>
-    <p:sldId id="267" r:id="rId9"/>
-    <p:sldId id="268" r:id="rId10"/>
-    <p:sldId id="269" r:id="rId11"/>
-    <p:sldId id="260" r:id="rId12"/>
-    <p:sldId id="270" r:id="rId13"/>
-    <p:sldId id="271" r:id="rId14"/>
-    <p:sldId id="261" r:id="rId15"/>
-    <p:sldId id="272" r:id="rId16"/>
-    <p:sldId id="273" r:id="rId17"/>
+    <p:sldId id="278" r:id="rId4"/>
+    <p:sldId id="258" r:id="rId5"/>
+    <p:sldId id="259" r:id="rId6"/>
+    <p:sldId id="263" r:id="rId7"/>
+    <p:sldId id="264" r:id="rId8"/>
+    <p:sldId id="266" r:id="rId9"/>
+    <p:sldId id="267" r:id="rId10"/>
+    <p:sldId id="268" r:id="rId11"/>
+    <p:sldId id="269" r:id="rId12"/>
+    <p:sldId id="260" r:id="rId13"/>
+    <p:sldId id="270" r:id="rId14"/>
+    <p:sldId id="271" r:id="rId15"/>
+    <p:sldId id="261" r:id="rId16"/>
+    <p:sldId id="272" r:id="rId17"/>
     <p:sldId id="274" r:id="rId18"/>
     <p:sldId id="276" r:id="rId19"/>
     <p:sldId id="275" r:id="rId20"/>
@@ -3097,2243 +3097,6 @@
           <a:p>
             <a:r>
               <a:rPr lang="en-US" dirty="0" smtClean="0"/>
-              <a:t>Inferential Statistics – Correlation </a:t>
-            </a:r>
-            <a:endParaRPr lang="en-US" dirty="0"/>
-          </a:p>
-        </p:txBody>
-      </p:sp>
-      <p:sp>
-        <p:nvSpPr>
-          <p:cNvPr id="5" name="TextBox 4"/>
-          <p:cNvSpPr txBox="1"/>
-          <p:nvPr/>
-        </p:nvSpPr>
-        <p:spPr>
-          <a:xfrm>
-            <a:off x="838200" y="5294977"/>
-            <a:ext cx="10674927" cy="369332"/>
-          </a:xfrm>
-          <a:prstGeom prst="rect">
-            <a:avLst/>
-          </a:prstGeom>
-          <a:noFill/>
-        </p:spPr>
-        <p:txBody>
-          <a:bodyPr wrap="square" rtlCol="0">
-            <a:spAutoFit/>
-          </a:bodyPr>
-          <a:lstStyle/>
-          <a:p>
-            <a:r>
-              <a:rPr lang="en-US" dirty="0" smtClean="0"/>
-              <a:t>Variables are highly correlated with each other. We will have to handle this during the pre-processing step.</a:t>
-            </a:r>
-          </a:p>
-        </p:txBody>
-      </p:sp>
-      <p:pic>
-        <p:nvPicPr>
-          <p:cNvPr id="4" name="Picture 3"/>
-          <p:cNvPicPr>
-            <a:picLocks noChangeAspect="1"/>
-          </p:cNvPicPr>
-          <p:nvPr/>
-        </p:nvPicPr>
-        <p:blipFill>
-          <a:blip r:embed="rId2"/>
-          <a:stretch>
-            <a:fillRect/>
-          </a:stretch>
-        </p:blipFill>
-        <p:spPr>
-          <a:xfrm>
-            <a:off x="2921143" y="1593706"/>
-            <a:ext cx="3495675" cy="2943225"/>
-          </a:xfrm>
-          <a:prstGeom prst="rect">
-            <a:avLst/>
-          </a:prstGeom>
-        </p:spPr>
-      </p:pic>
-    </p:spTree>
-    <p:extLst>
-      <p:ext uri="{BB962C8B-B14F-4D97-AF65-F5344CB8AC3E}">
-        <p14:creationId xmlns:p14="http://schemas.microsoft.com/office/powerpoint/2010/main" val="1971201715"/>
-      </p:ext>
-    </p:extLst>
-  </p:cSld>
-  <p:clrMapOvr>
-    <a:masterClrMapping/>
-  </p:clrMapOvr>
-</p:sld>
-</file>
-
-<file path=ppt/slides/slide11.xml><?xml version="1.0" encoding="utf-8"?>
-<p:sld xmlns:a="http://schemas.openxmlformats.org/drawingml/2006/main" xmlns:r="http://schemas.openxmlformats.org/officeDocument/2006/relationships" xmlns:p="http://schemas.openxmlformats.org/presentationml/2006/main">
-  <p:cSld>
-    <p:spTree>
-      <p:nvGrpSpPr>
-        <p:cNvPr id="1" name=""/>
-        <p:cNvGrpSpPr/>
-        <p:nvPr/>
-      </p:nvGrpSpPr>
-      <p:grpSpPr>
-        <a:xfrm>
-          <a:off x="0" y="0"/>
-          <a:ext cx="0" cy="0"/>
-          <a:chOff x="0" y="0"/>
-          <a:chExt cx="0" cy="0"/>
-        </a:xfrm>
-      </p:grpSpPr>
-      <p:sp>
-        <p:nvSpPr>
-          <p:cNvPr id="2" name="Title 1"/>
-          <p:cNvSpPr>
-            <a:spLocks noGrp="1"/>
-          </p:cNvSpPr>
-          <p:nvPr>
-            <p:ph type="title"/>
-          </p:nvPr>
-        </p:nvSpPr>
-        <p:spPr/>
-        <p:txBody>
-          <a:bodyPr/>
-          <a:lstStyle/>
-          <a:p>
-            <a:r>
-              <a:rPr lang="en-US" dirty="0" smtClean="0"/>
-              <a:t>Pre processing the data - 1</a:t>
-            </a:r>
-            <a:endParaRPr lang="en-US" dirty="0"/>
-          </a:p>
-        </p:txBody>
-      </p:sp>
-      <p:sp>
-        <p:nvSpPr>
-          <p:cNvPr id="3" name="Content Placeholder 2"/>
-          <p:cNvSpPr>
-            <a:spLocks noGrp="1"/>
-          </p:cNvSpPr>
-          <p:nvPr>
-            <p:ph idx="1"/>
-          </p:nvPr>
-        </p:nvSpPr>
-        <p:spPr/>
-        <p:txBody>
-          <a:bodyPr/>
-          <a:lstStyle/>
-          <a:p>
-            <a:pPr marL="0" indent="0">
-              <a:buNone/>
-            </a:pPr>
-            <a:r>
-              <a:rPr lang="en-US" dirty="0" smtClean="0"/>
-              <a:t>Pre Processing steps include </a:t>
-            </a:r>
-          </a:p>
-          <a:p>
-            <a:pPr marL="514350" indent="-514350">
-              <a:buAutoNum type="arabicParenR"/>
-            </a:pPr>
-            <a:r>
-              <a:rPr lang="en-US" dirty="0" smtClean="0"/>
-              <a:t>PCA to reduce the number of attributes and eliminate correlated variables</a:t>
-            </a:r>
-          </a:p>
-          <a:p>
-            <a:pPr marL="514350" indent="-514350">
-              <a:buAutoNum type="arabicParenR"/>
-            </a:pPr>
-            <a:r>
-              <a:rPr lang="en-US" dirty="0" smtClean="0"/>
-              <a:t>Remove class imbalance</a:t>
-            </a:r>
-            <a:endParaRPr lang="en-US" dirty="0"/>
-          </a:p>
-        </p:txBody>
-      </p:sp>
-    </p:spTree>
-    <p:extLst>
-      <p:ext uri="{BB962C8B-B14F-4D97-AF65-F5344CB8AC3E}">
-        <p14:creationId xmlns:p14="http://schemas.microsoft.com/office/powerpoint/2010/main" val="2063740915"/>
-      </p:ext>
-    </p:extLst>
-  </p:cSld>
-  <p:clrMapOvr>
-    <a:masterClrMapping/>
-  </p:clrMapOvr>
-</p:sld>
-</file>
-
-<file path=ppt/slides/slide12.xml><?xml version="1.0" encoding="utf-8"?>
-<p:sld xmlns:a="http://schemas.openxmlformats.org/drawingml/2006/main" xmlns:r="http://schemas.openxmlformats.org/officeDocument/2006/relationships" xmlns:p="http://schemas.openxmlformats.org/presentationml/2006/main">
-  <p:cSld>
-    <p:spTree>
-      <p:nvGrpSpPr>
-        <p:cNvPr id="1" name=""/>
-        <p:cNvGrpSpPr/>
-        <p:nvPr/>
-      </p:nvGrpSpPr>
-      <p:grpSpPr>
-        <a:xfrm>
-          <a:off x="0" y="0"/>
-          <a:ext cx="0" cy="0"/>
-          <a:chOff x="0" y="0"/>
-          <a:chExt cx="0" cy="0"/>
-        </a:xfrm>
-      </p:grpSpPr>
-      <p:sp>
-        <p:nvSpPr>
-          <p:cNvPr id="2" name="Title 1"/>
-          <p:cNvSpPr>
-            <a:spLocks noGrp="1"/>
-          </p:cNvSpPr>
-          <p:nvPr>
-            <p:ph type="title"/>
-          </p:nvPr>
-        </p:nvSpPr>
-        <p:spPr/>
-        <p:txBody>
-          <a:bodyPr/>
-          <a:lstStyle/>
-          <a:p>
-            <a:r>
-              <a:rPr lang="en-US" dirty="0" smtClean="0"/>
-              <a:t>Pre processing the data – PCA </a:t>
-            </a:r>
-            <a:endParaRPr lang="en-US" dirty="0"/>
-          </a:p>
-        </p:txBody>
-      </p:sp>
-      <p:pic>
-        <p:nvPicPr>
-          <p:cNvPr id="5" name="Picture 4"/>
-          <p:cNvPicPr>
-            <a:picLocks noChangeAspect="1"/>
-          </p:cNvPicPr>
-          <p:nvPr/>
-        </p:nvPicPr>
-        <p:blipFill>
-          <a:blip r:embed="rId2"/>
-          <a:stretch>
-            <a:fillRect/>
-          </a:stretch>
-        </p:blipFill>
-        <p:spPr>
-          <a:xfrm>
-            <a:off x="657225" y="1690688"/>
-            <a:ext cx="10877550" cy="3463203"/>
-          </a:xfrm>
-          <a:prstGeom prst="rect">
-            <a:avLst/>
-          </a:prstGeom>
-        </p:spPr>
-      </p:pic>
-      <p:sp>
-        <p:nvSpPr>
-          <p:cNvPr id="7" name="TextBox 6"/>
-          <p:cNvSpPr txBox="1"/>
-          <p:nvPr/>
-        </p:nvSpPr>
-        <p:spPr>
-          <a:xfrm>
-            <a:off x="838200" y="5294977"/>
-            <a:ext cx="10674927" cy="646331"/>
-          </a:xfrm>
-          <a:prstGeom prst="rect">
-            <a:avLst/>
-          </a:prstGeom>
-          <a:noFill/>
-        </p:spPr>
-        <p:txBody>
-          <a:bodyPr wrap="square" rtlCol="0">
-            <a:spAutoFit/>
-          </a:bodyPr>
-          <a:lstStyle/>
-          <a:p>
-            <a:r>
-              <a:rPr lang="en-US" dirty="0" smtClean="0"/>
-              <a:t>The Y axis indicates the Variance. X indicates the number of components. The value tapers down at about 80 components.</a:t>
-            </a:r>
-          </a:p>
-        </p:txBody>
-      </p:sp>
-    </p:spTree>
-    <p:extLst>
-      <p:ext uri="{BB962C8B-B14F-4D97-AF65-F5344CB8AC3E}">
-        <p14:creationId xmlns:p14="http://schemas.microsoft.com/office/powerpoint/2010/main" val="1062668629"/>
-      </p:ext>
-    </p:extLst>
-  </p:cSld>
-  <p:clrMapOvr>
-    <a:masterClrMapping/>
-  </p:clrMapOvr>
-</p:sld>
-</file>
-
-<file path=ppt/slides/slide13.xml><?xml version="1.0" encoding="utf-8"?>
-<p:sld xmlns:a="http://schemas.openxmlformats.org/drawingml/2006/main" xmlns:r="http://schemas.openxmlformats.org/officeDocument/2006/relationships" xmlns:p="http://schemas.openxmlformats.org/presentationml/2006/main">
-  <p:cSld>
-    <p:spTree>
-      <p:nvGrpSpPr>
-        <p:cNvPr id="1" name=""/>
-        <p:cNvGrpSpPr/>
-        <p:nvPr/>
-      </p:nvGrpSpPr>
-      <p:grpSpPr>
-        <a:xfrm>
-          <a:off x="0" y="0"/>
-          <a:ext cx="0" cy="0"/>
-          <a:chOff x="0" y="0"/>
-          <a:chExt cx="0" cy="0"/>
-        </a:xfrm>
-      </p:grpSpPr>
-      <p:sp>
-        <p:nvSpPr>
-          <p:cNvPr id="2" name="Title 1"/>
-          <p:cNvSpPr>
-            <a:spLocks noGrp="1"/>
-          </p:cNvSpPr>
-          <p:nvPr>
-            <p:ph type="title"/>
-          </p:nvPr>
-        </p:nvSpPr>
-        <p:spPr/>
-        <p:txBody>
-          <a:bodyPr/>
-          <a:lstStyle/>
-          <a:p>
-            <a:r>
-              <a:rPr lang="en-US" dirty="0" smtClean="0"/>
-              <a:t>Plot of two components derived using PCA</a:t>
-            </a:r>
-            <a:endParaRPr lang="en-US" dirty="0"/>
-          </a:p>
-        </p:txBody>
-      </p:sp>
-      <p:sp>
-        <p:nvSpPr>
-          <p:cNvPr id="7" name="TextBox 6"/>
-          <p:cNvSpPr txBox="1"/>
-          <p:nvPr/>
-        </p:nvSpPr>
-        <p:spPr>
-          <a:xfrm>
-            <a:off x="838200" y="5294977"/>
-            <a:ext cx="10674927" cy="369332"/>
-          </a:xfrm>
-          <a:prstGeom prst="rect">
-            <a:avLst/>
-          </a:prstGeom>
-          <a:noFill/>
-        </p:spPr>
-        <p:txBody>
-          <a:bodyPr wrap="square" rtlCol="0">
-            <a:spAutoFit/>
-          </a:bodyPr>
-          <a:lstStyle/>
-          <a:p>
-            <a:r>
-              <a:rPr lang="en-US" dirty="0" smtClean="0"/>
-              <a:t>Blue does indicate non epileptic patients. Red indicates epileptic patients.  </a:t>
-            </a:r>
-          </a:p>
-        </p:txBody>
-      </p:sp>
-      <p:pic>
-        <p:nvPicPr>
-          <p:cNvPr id="3" name="Picture 2"/>
-          <p:cNvPicPr>
-            <a:picLocks noChangeAspect="1"/>
-          </p:cNvPicPr>
-          <p:nvPr/>
-        </p:nvPicPr>
-        <p:blipFill>
-          <a:blip r:embed="rId2"/>
-          <a:stretch>
-            <a:fillRect/>
-          </a:stretch>
-        </p:blipFill>
-        <p:spPr>
-          <a:xfrm>
-            <a:off x="3122034" y="1690687"/>
-            <a:ext cx="4747348" cy="3228621"/>
-          </a:xfrm>
-          <a:prstGeom prst="rect">
-            <a:avLst/>
-          </a:prstGeom>
-        </p:spPr>
-      </p:pic>
-    </p:spTree>
-    <p:extLst>
-      <p:ext uri="{BB962C8B-B14F-4D97-AF65-F5344CB8AC3E}">
-        <p14:creationId xmlns:p14="http://schemas.microsoft.com/office/powerpoint/2010/main" val="3303631425"/>
-      </p:ext>
-    </p:extLst>
-  </p:cSld>
-  <p:clrMapOvr>
-    <a:masterClrMapping/>
-  </p:clrMapOvr>
-</p:sld>
-</file>
-
-<file path=ppt/slides/slide14.xml><?xml version="1.0" encoding="utf-8"?>
-<p:sld xmlns:a="http://schemas.openxmlformats.org/drawingml/2006/main" xmlns:r="http://schemas.openxmlformats.org/officeDocument/2006/relationships" xmlns:p="http://schemas.openxmlformats.org/presentationml/2006/main">
-  <p:cSld>
-    <p:spTree>
-      <p:nvGrpSpPr>
-        <p:cNvPr id="1" name=""/>
-        <p:cNvGrpSpPr/>
-        <p:nvPr/>
-      </p:nvGrpSpPr>
-      <p:grpSpPr>
-        <a:xfrm>
-          <a:off x="0" y="0"/>
-          <a:ext cx="0" cy="0"/>
-          <a:chOff x="0" y="0"/>
-          <a:chExt cx="0" cy="0"/>
-        </a:xfrm>
-      </p:grpSpPr>
-      <p:sp>
-        <p:nvSpPr>
-          <p:cNvPr id="2" name="Title 1"/>
-          <p:cNvSpPr>
-            <a:spLocks noGrp="1"/>
-          </p:cNvSpPr>
-          <p:nvPr>
-            <p:ph type="title"/>
-          </p:nvPr>
-        </p:nvSpPr>
-        <p:spPr/>
-        <p:txBody>
-          <a:bodyPr/>
-          <a:lstStyle/>
-          <a:p>
-            <a:r>
-              <a:rPr lang="en-US" dirty="0" smtClean="0"/>
-              <a:t>Classification Algorithms Logistic Regression </a:t>
-            </a:r>
-            <a:endParaRPr lang="en-US" dirty="0"/>
-          </a:p>
-        </p:txBody>
-      </p:sp>
-      <p:sp>
-        <p:nvSpPr>
-          <p:cNvPr id="5" name="TextBox 4"/>
-          <p:cNvSpPr txBox="1"/>
-          <p:nvPr/>
-        </p:nvSpPr>
-        <p:spPr>
-          <a:xfrm>
-            <a:off x="838200" y="5294977"/>
-            <a:ext cx="10674927" cy="646331"/>
-          </a:xfrm>
-          <a:prstGeom prst="rect">
-            <a:avLst/>
-          </a:prstGeom>
-          <a:noFill/>
-        </p:spPr>
-        <p:txBody>
-          <a:bodyPr wrap="square" rtlCol="0">
-            <a:spAutoFit/>
-          </a:bodyPr>
-          <a:lstStyle/>
-          <a:p>
-            <a:r>
-              <a:rPr lang="en-US" dirty="0" smtClean="0"/>
-              <a:t>ROC Curve using Logistic regression without any preprocessing step. The AUC value is 0.51</a:t>
-            </a:r>
-          </a:p>
-          <a:p>
-            <a:r>
-              <a:rPr lang="en-US" dirty="0" smtClean="0"/>
-              <a:t>ROC Curve using Logistic regression  with preprocessing step. The AUC value is 0.53</a:t>
-            </a:r>
-          </a:p>
-        </p:txBody>
-      </p:sp>
-      <p:pic>
-        <p:nvPicPr>
-          <p:cNvPr id="8" name="Picture 7"/>
-          <p:cNvPicPr>
-            <a:picLocks noChangeAspect="1"/>
-          </p:cNvPicPr>
-          <p:nvPr/>
-        </p:nvPicPr>
-        <p:blipFill>
-          <a:blip r:embed="rId2"/>
-          <a:stretch>
-            <a:fillRect/>
-          </a:stretch>
-        </p:blipFill>
-        <p:spPr>
-          <a:xfrm>
-            <a:off x="745331" y="1685926"/>
-            <a:ext cx="3979069" cy="3000375"/>
-          </a:xfrm>
-          <a:prstGeom prst="rect">
-            <a:avLst/>
-          </a:prstGeom>
-        </p:spPr>
-      </p:pic>
-      <p:pic>
-        <p:nvPicPr>
-          <p:cNvPr id="9" name="Picture 8"/>
-          <p:cNvPicPr>
-            <a:picLocks noChangeAspect="1"/>
-          </p:cNvPicPr>
-          <p:nvPr/>
-        </p:nvPicPr>
-        <p:blipFill>
-          <a:blip r:embed="rId3"/>
-          <a:stretch>
-            <a:fillRect/>
-          </a:stretch>
-        </p:blipFill>
-        <p:spPr>
-          <a:xfrm>
-            <a:off x="6238009" y="1695451"/>
-            <a:ext cx="3602182" cy="2990850"/>
-          </a:xfrm>
-          <a:prstGeom prst="rect">
-            <a:avLst/>
-          </a:prstGeom>
-        </p:spPr>
-      </p:pic>
-    </p:spTree>
-    <p:extLst>
-      <p:ext uri="{BB962C8B-B14F-4D97-AF65-F5344CB8AC3E}">
-        <p14:creationId xmlns:p14="http://schemas.microsoft.com/office/powerpoint/2010/main" val="2098386139"/>
-      </p:ext>
-    </p:extLst>
-  </p:cSld>
-  <p:clrMapOvr>
-    <a:masterClrMapping/>
-  </p:clrMapOvr>
-</p:sld>
-</file>
-
-<file path=ppt/slides/slide15.xml><?xml version="1.0" encoding="utf-8"?>
-<p:sld xmlns:a="http://schemas.openxmlformats.org/drawingml/2006/main" xmlns:r="http://schemas.openxmlformats.org/officeDocument/2006/relationships" xmlns:p="http://schemas.openxmlformats.org/presentationml/2006/main">
-  <p:cSld>
-    <p:spTree>
-      <p:nvGrpSpPr>
-        <p:cNvPr id="1" name=""/>
-        <p:cNvGrpSpPr/>
-        <p:nvPr/>
-      </p:nvGrpSpPr>
-      <p:grpSpPr>
-        <a:xfrm>
-          <a:off x="0" y="0"/>
-          <a:ext cx="0" cy="0"/>
-          <a:chOff x="0" y="0"/>
-          <a:chExt cx="0" cy="0"/>
-        </a:xfrm>
-      </p:grpSpPr>
-      <p:sp>
-        <p:nvSpPr>
-          <p:cNvPr id="2" name="Title 1"/>
-          <p:cNvSpPr>
-            <a:spLocks noGrp="1"/>
-          </p:cNvSpPr>
-          <p:nvPr>
-            <p:ph type="title"/>
-          </p:nvPr>
-        </p:nvSpPr>
-        <p:spPr/>
-        <p:txBody>
-          <a:bodyPr/>
-          <a:lstStyle/>
-          <a:p>
-            <a:r>
-              <a:rPr lang="en-US" dirty="0" smtClean="0"/>
-              <a:t>Classification Algorithms </a:t>
-            </a:r>
-            <a:r>
-              <a:rPr lang="en-US" dirty="0" smtClean="0"/>
-              <a:t>Random Forest</a:t>
-            </a:r>
-            <a:endParaRPr lang="en-US" dirty="0"/>
-          </a:p>
-        </p:txBody>
-      </p:sp>
-      <p:sp>
-        <p:nvSpPr>
-          <p:cNvPr id="5" name="TextBox 4"/>
-          <p:cNvSpPr txBox="1"/>
-          <p:nvPr/>
-        </p:nvSpPr>
-        <p:spPr>
-          <a:xfrm>
-            <a:off x="838200" y="5294977"/>
-            <a:ext cx="10674927" cy="646331"/>
-          </a:xfrm>
-          <a:prstGeom prst="rect">
-            <a:avLst/>
-          </a:prstGeom>
-          <a:noFill/>
-        </p:spPr>
-        <p:txBody>
-          <a:bodyPr wrap="square" rtlCol="0">
-            <a:spAutoFit/>
-          </a:bodyPr>
-          <a:lstStyle/>
-          <a:p>
-            <a:r>
-              <a:rPr lang="en-US" dirty="0" smtClean="0"/>
-              <a:t>ROC Curve using </a:t>
-            </a:r>
-            <a:r>
-              <a:rPr lang="en-US" dirty="0" smtClean="0"/>
-              <a:t>Random forest before and after Pre-Processing and after . There is an increase in the AUC value from 0991 to 0.998</a:t>
-            </a:r>
-            <a:endParaRPr lang="en-US" dirty="0" smtClean="0"/>
-          </a:p>
-        </p:txBody>
-      </p:sp>
-      <p:pic>
-        <p:nvPicPr>
-          <p:cNvPr id="4" name="Picture 3"/>
-          <p:cNvPicPr>
-            <a:picLocks noChangeAspect="1"/>
-          </p:cNvPicPr>
-          <p:nvPr/>
-        </p:nvPicPr>
-        <p:blipFill>
-          <a:blip r:embed="rId2"/>
-          <a:stretch>
-            <a:fillRect/>
-          </a:stretch>
-        </p:blipFill>
-        <p:spPr>
-          <a:xfrm>
-            <a:off x="6598227" y="1595869"/>
-            <a:ext cx="4914900" cy="3333750"/>
-          </a:xfrm>
-          <a:prstGeom prst="rect">
-            <a:avLst/>
-          </a:prstGeom>
-        </p:spPr>
-      </p:pic>
-      <p:pic>
-        <p:nvPicPr>
-          <p:cNvPr id="7" name="Picture 6"/>
-          <p:cNvPicPr>
-            <a:picLocks noChangeAspect="1"/>
-          </p:cNvPicPr>
-          <p:nvPr/>
-        </p:nvPicPr>
-        <p:blipFill>
-          <a:blip r:embed="rId3"/>
-          <a:stretch>
-            <a:fillRect/>
-          </a:stretch>
-        </p:blipFill>
-        <p:spPr>
-          <a:xfrm>
-            <a:off x="838200" y="1553007"/>
-            <a:ext cx="5372100" cy="3419475"/>
-          </a:xfrm>
-          <a:prstGeom prst="rect">
-            <a:avLst/>
-          </a:prstGeom>
-        </p:spPr>
-      </p:pic>
-    </p:spTree>
-    <p:extLst>
-      <p:ext uri="{BB962C8B-B14F-4D97-AF65-F5344CB8AC3E}">
-        <p14:creationId xmlns:p14="http://schemas.microsoft.com/office/powerpoint/2010/main" val="1382092337"/>
-      </p:ext>
-    </p:extLst>
-  </p:cSld>
-  <p:clrMapOvr>
-    <a:masterClrMapping/>
-  </p:clrMapOvr>
-</p:sld>
-</file>
-
-<file path=ppt/slides/slide16.xml><?xml version="1.0" encoding="utf-8"?>
-<p:sld xmlns:a="http://schemas.openxmlformats.org/drawingml/2006/main" xmlns:r="http://schemas.openxmlformats.org/officeDocument/2006/relationships" xmlns:p="http://schemas.openxmlformats.org/presentationml/2006/main">
-  <p:cSld>
-    <p:spTree>
-      <p:nvGrpSpPr>
-        <p:cNvPr id="1" name=""/>
-        <p:cNvGrpSpPr/>
-        <p:nvPr/>
-      </p:nvGrpSpPr>
-      <p:grpSpPr>
-        <a:xfrm>
-          <a:off x="0" y="0"/>
-          <a:ext cx="0" cy="0"/>
-          <a:chOff x="0" y="0"/>
-          <a:chExt cx="0" cy="0"/>
-        </a:xfrm>
-      </p:grpSpPr>
-      <p:sp>
-        <p:nvSpPr>
-          <p:cNvPr id="2" name="Title 1"/>
-          <p:cNvSpPr>
-            <a:spLocks noGrp="1"/>
-          </p:cNvSpPr>
-          <p:nvPr>
-            <p:ph type="title"/>
-          </p:nvPr>
-        </p:nvSpPr>
-        <p:spPr/>
-        <p:txBody>
-          <a:bodyPr/>
-          <a:lstStyle/>
-          <a:p>
-            <a:r>
-              <a:rPr lang="en-US" dirty="0" smtClean="0"/>
-              <a:t>Classification Algorithms </a:t>
-            </a:r>
-            <a:r>
-              <a:rPr lang="en-US" dirty="0" smtClean="0"/>
-              <a:t>Random Forest</a:t>
-            </a:r>
-            <a:endParaRPr lang="en-US" dirty="0"/>
-          </a:p>
-        </p:txBody>
-      </p:sp>
-      <p:sp>
-        <p:nvSpPr>
-          <p:cNvPr id="5" name="TextBox 4"/>
-          <p:cNvSpPr txBox="1"/>
-          <p:nvPr/>
-        </p:nvSpPr>
-        <p:spPr>
-          <a:xfrm>
-            <a:off x="838200" y="5294977"/>
-            <a:ext cx="10674927" cy="646331"/>
-          </a:xfrm>
-          <a:prstGeom prst="rect">
-            <a:avLst/>
-          </a:prstGeom>
-          <a:noFill/>
-        </p:spPr>
-        <p:txBody>
-          <a:bodyPr wrap="square" rtlCol="0">
-            <a:spAutoFit/>
-          </a:bodyPr>
-          <a:lstStyle/>
-          <a:p>
-            <a:r>
-              <a:rPr lang="en-US" dirty="0" smtClean="0"/>
-              <a:t>ROC Curve using </a:t>
-            </a:r>
-            <a:r>
-              <a:rPr lang="en-US" dirty="0" smtClean="0"/>
-              <a:t>Random forest before and after Pre-Processing and after . There is an increase in the AUC value from 0991 to 0.998</a:t>
-            </a:r>
-            <a:endParaRPr lang="en-US" dirty="0" smtClean="0"/>
-          </a:p>
-        </p:txBody>
-      </p:sp>
-      <p:pic>
-        <p:nvPicPr>
-          <p:cNvPr id="4" name="Picture 3"/>
-          <p:cNvPicPr>
-            <a:picLocks noChangeAspect="1"/>
-          </p:cNvPicPr>
-          <p:nvPr/>
-        </p:nvPicPr>
-        <p:blipFill>
-          <a:blip r:embed="rId2"/>
-          <a:stretch>
-            <a:fillRect/>
-          </a:stretch>
-        </p:blipFill>
-        <p:spPr>
-          <a:xfrm>
-            <a:off x="6598227" y="1595869"/>
-            <a:ext cx="4914900" cy="3333750"/>
-          </a:xfrm>
-          <a:prstGeom prst="rect">
-            <a:avLst/>
-          </a:prstGeom>
-        </p:spPr>
-      </p:pic>
-      <p:pic>
-        <p:nvPicPr>
-          <p:cNvPr id="7" name="Picture 6"/>
-          <p:cNvPicPr>
-            <a:picLocks noChangeAspect="1"/>
-          </p:cNvPicPr>
-          <p:nvPr/>
-        </p:nvPicPr>
-        <p:blipFill>
-          <a:blip r:embed="rId3"/>
-          <a:stretch>
-            <a:fillRect/>
-          </a:stretch>
-        </p:blipFill>
-        <p:spPr>
-          <a:xfrm>
-            <a:off x="838200" y="1553007"/>
-            <a:ext cx="5372100" cy="3419475"/>
-          </a:xfrm>
-          <a:prstGeom prst="rect">
-            <a:avLst/>
-          </a:prstGeom>
-        </p:spPr>
-      </p:pic>
-    </p:spTree>
-    <p:extLst>
-      <p:ext uri="{BB962C8B-B14F-4D97-AF65-F5344CB8AC3E}">
-        <p14:creationId xmlns:p14="http://schemas.microsoft.com/office/powerpoint/2010/main" val="9826091"/>
-      </p:ext>
-    </p:extLst>
-  </p:cSld>
-  <p:clrMapOvr>
-    <a:masterClrMapping/>
-  </p:clrMapOvr>
-</p:sld>
-</file>
-
-<file path=ppt/slides/slide17.xml><?xml version="1.0" encoding="utf-8"?>
-<p:sld xmlns:a="http://schemas.openxmlformats.org/drawingml/2006/main" xmlns:r="http://schemas.openxmlformats.org/officeDocument/2006/relationships" xmlns:p="http://schemas.openxmlformats.org/presentationml/2006/main">
-  <p:cSld>
-    <p:spTree>
-      <p:nvGrpSpPr>
-        <p:cNvPr id="1" name=""/>
-        <p:cNvGrpSpPr/>
-        <p:nvPr/>
-      </p:nvGrpSpPr>
-      <p:grpSpPr>
-        <a:xfrm>
-          <a:off x="0" y="0"/>
-          <a:ext cx="0" cy="0"/>
-          <a:chOff x="0" y="0"/>
-          <a:chExt cx="0" cy="0"/>
-        </a:xfrm>
-      </p:grpSpPr>
-      <p:sp>
-        <p:nvSpPr>
-          <p:cNvPr id="2" name="Title 1"/>
-          <p:cNvSpPr>
-            <a:spLocks noGrp="1"/>
-          </p:cNvSpPr>
-          <p:nvPr>
-            <p:ph type="title"/>
-          </p:nvPr>
-        </p:nvSpPr>
-        <p:spPr/>
-        <p:txBody>
-          <a:bodyPr/>
-          <a:lstStyle/>
-          <a:p>
-            <a:r>
-              <a:rPr lang="en-US" dirty="0"/>
-              <a:t>Classification Algorithms Random Forest</a:t>
-            </a:r>
-          </a:p>
-        </p:txBody>
-      </p:sp>
-      <p:pic>
-        <p:nvPicPr>
-          <p:cNvPr id="4" name="Picture 3"/>
-          <p:cNvPicPr>
-            <a:picLocks noChangeAspect="1"/>
-          </p:cNvPicPr>
-          <p:nvPr/>
-        </p:nvPicPr>
-        <p:blipFill>
-          <a:blip r:embed="rId2"/>
-          <a:stretch>
-            <a:fillRect/>
-          </a:stretch>
-        </p:blipFill>
-        <p:spPr>
-          <a:xfrm>
-            <a:off x="6296026" y="1837459"/>
-            <a:ext cx="5577320" cy="3467100"/>
-          </a:xfrm>
-          <a:prstGeom prst="rect">
-            <a:avLst/>
-          </a:prstGeom>
-        </p:spPr>
-      </p:pic>
-      <p:pic>
-        <p:nvPicPr>
-          <p:cNvPr id="5" name="Picture 4"/>
-          <p:cNvPicPr>
-            <a:picLocks noChangeAspect="1"/>
-          </p:cNvPicPr>
-          <p:nvPr/>
-        </p:nvPicPr>
-        <p:blipFill>
-          <a:blip r:embed="rId3"/>
-          <a:stretch>
-            <a:fillRect/>
-          </a:stretch>
-        </p:blipFill>
-        <p:spPr>
-          <a:xfrm>
-            <a:off x="655927" y="1837459"/>
-            <a:ext cx="5384656" cy="3505200"/>
-          </a:xfrm>
-          <a:prstGeom prst="rect">
-            <a:avLst/>
-          </a:prstGeom>
-        </p:spPr>
-      </p:pic>
-      <p:sp>
-        <p:nvSpPr>
-          <p:cNvPr id="6" name="TextBox 5"/>
-          <p:cNvSpPr txBox="1"/>
-          <p:nvPr/>
-        </p:nvSpPr>
-        <p:spPr>
-          <a:xfrm>
-            <a:off x="838200" y="5451330"/>
-            <a:ext cx="10674927" cy="646331"/>
-          </a:xfrm>
-          <a:prstGeom prst="rect">
-            <a:avLst/>
-          </a:prstGeom>
-          <a:noFill/>
-        </p:spPr>
-        <p:txBody>
-          <a:bodyPr wrap="square" rtlCol="0">
-            <a:spAutoFit/>
-          </a:bodyPr>
-          <a:lstStyle/>
-          <a:p>
-            <a:r>
-              <a:rPr lang="en-US" dirty="0" smtClean="0"/>
-              <a:t>Accuracy, Precision , Recall before and after pre-processing. There is a improvement in the values post processing.</a:t>
-            </a:r>
-            <a:endParaRPr lang="en-US" dirty="0" smtClean="0"/>
-          </a:p>
-        </p:txBody>
-      </p:sp>
-    </p:spTree>
-    <p:extLst>
-      <p:ext uri="{BB962C8B-B14F-4D97-AF65-F5344CB8AC3E}">
-        <p14:creationId xmlns:p14="http://schemas.microsoft.com/office/powerpoint/2010/main" val="3336239323"/>
-      </p:ext>
-    </p:extLst>
-  </p:cSld>
-  <p:clrMapOvr>
-    <a:masterClrMapping/>
-  </p:clrMapOvr>
-</p:sld>
-</file>
-
-<file path=ppt/slides/slide18.xml><?xml version="1.0" encoding="utf-8"?>
-<p:sld xmlns:a="http://schemas.openxmlformats.org/drawingml/2006/main" xmlns:r="http://schemas.openxmlformats.org/officeDocument/2006/relationships" xmlns:p="http://schemas.openxmlformats.org/presentationml/2006/main">
-  <p:cSld>
-    <p:spTree>
-      <p:nvGrpSpPr>
-        <p:cNvPr id="1" name=""/>
-        <p:cNvGrpSpPr/>
-        <p:nvPr/>
-      </p:nvGrpSpPr>
-      <p:grpSpPr>
-        <a:xfrm>
-          <a:off x="0" y="0"/>
-          <a:ext cx="0" cy="0"/>
-          <a:chOff x="0" y="0"/>
-          <a:chExt cx="0" cy="0"/>
-        </a:xfrm>
-      </p:grpSpPr>
-      <p:sp>
-        <p:nvSpPr>
-          <p:cNvPr id="2" name="Title 1"/>
-          <p:cNvSpPr>
-            <a:spLocks noGrp="1"/>
-          </p:cNvSpPr>
-          <p:nvPr>
-            <p:ph type="title"/>
-          </p:nvPr>
-        </p:nvSpPr>
-        <p:spPr/>
-        <p:txBody>
-          <a:bodyPr/>
-          <a:lstStyle/>
-          <a:p>
-            <a:r>
-              <a:rPr lang="en-US" dirty="0" smtClean="0"/>
-              <a:t>Conclusion	</a:t>
-            </a:r>
-            <a:endParaRPr lang="en-US" dirty="0"/>
-          </a:p>
-        </p:txBody>
-      </p:sp>
-      <p:sp>
-        <p:nvSpPr>
-          <p:cNvPr id="3" name="Content Placeholder 2"/>
-          <p:cNvSpPr>
-            <a:spLocks noGrp="1"/>
-          </p:cNvSpPr>
-          <p:nvPr>
-            <p:ph idx="1"/>
-          </p:nvPr>
-        </p:nvSpPr>
-        <p:spPr/>
-        <p:txBody>
-          <a:bodyPr/>
-          <a:lstStyle/>
-          <a:p>
-            <a:r>
-              <a:rPr lang="en-US" dirty="0" smtClean="0"/>
-              <a:t>Random forest model was a far better predictor than the Logistic regression classifier.</a:t>
-            </a:r>
-          </a:p>
-          <a:p>
-            <a:r>
-              <a:rPr lang="en-US" dirty="0" smtClean="0"/>
-              <a:t>The is due to the fact that there is no clear boundary separating the classes (Slide 13).</a:t>
-            </a:r>
-          </a:p>
-          <a:p>
-            <a:r>
-              <a:rPr lang="en-US" dirty="0"/>
-              <a:t> </a:t>
-            </a:r>
-            <a:r>
-              <a:rPr lang="en-US" dirty="0" smtClean="0"/>
-              <a:t>Normalization of the data was not needed since the attributes were distributed in a similar manner (Slide 5).</a:t>
-            </a:r>
-          </a:p>
-          <a:p>
-            <a:r>
-              <a:rPr lang="en-US" dirty="0" smtClean="0"/>
-              <a:t>Reducing the number of attributes using PCA and Oversampling the classes which were uneven helped in increasing the accuracy metric.</a:t>
-            </a:r>
-          </a:p>
-          <a:p>
-            <a:pPr marL="0" indent="0">
-              <a:buNone/>
-            </a:pPr>
-            <a:endParaRPr lang="en-US" dirty="0"/>
-          </a:p>
-        </p:txBody>
-      </p:sp>
-    </p:spTree>
-    <p:extLst>
-      <p:ext uri="{BB962C8B-B14F-4D97-AF65-F5344CB8AC3E}">
-        <p14:creationId xmlns:p14="http://schemas.microsoft.com/office/powerpoint/2010/main" val="3079941910"/>
-      </p:ext>
-    </p:extLst>
-  </p:cSld>
-  <p:clrMapOvr>
-    <a:masterClrMapping/>
-  </p:clrMapOvr>
-</p:sld>
-</file>
-
-<file path=ppt/slides/slide19.xml><?xml version="1.0" encoding="utf-8"?>
-<p:sld xmlns:a="http://schemas.openxmlformats.org/drawingml/2006/main" xmlns:r="http://schemas.openxmlformats.org/officeDocument/2006/relationships" xmlns:p="http://schemas.openxmlformats.org/presentationml/2006/main">
-  <p:cSld>
-    <p:spTree>
-      <p:nvGrpSpPr>
-        <p:cNvPr id="1" name=""/>
-        <p:cNvGrpSpPr/>
-        <p:nvPr/>
-      </p:nvGrpSpPr>
-      <p:grpSpPr>
-        <a:xfrm>
-          <a:off x="0" y="0"/>
-          <a:ext cx="0" cy="0"/>
-          <a:chOff x="0" y="0"/>
-          <a:chExt cx="0" cy="0"/>
-        </a:xfrm>
-      </p:grpSpPr>
-      <p:sp>
-        <p:nvSpPr>
-          <p:cNvPr id="2" name="Title 1"/>
-          <p:cNvSpPr>
-            <a:spLocks noGrp="1"/>
-          </p:cNvSpPr>
-          <p:nvPr>
-            <p:ph type="title"/>
-          </p:nvPr>
-        </p:nvSpPr>
-        <p:spPr/>
-        <p:txBody>
-          <a:bodyPr/>
-          <a:lstStyle/>
-          <a:p>
-            <a:r>
-              <a:rPr lang="en-US" dirty="0" smtClean="0"/>
-              <a:t>Create a </a:t>
-            </a:r>
-            <a:r>
-              <a:rPr lang="en-US" dirty="0" err="1" smtClean="0"/>
-              <a:t>webservice</a:t>
-            </a:r>
-            <a:endParaRPr lang="en-US" dirty="0"/>
-          </a:p>
-        </p:txBody>
-      </p:sp>
-      <p:sp>
-        <p:nvSpPr>
-          <p:cNvPr id="3" name="Content Placeholder 2"/>
-          <p:cNvSpPr>
-            <a:spLocks noGrp="1"/>
-          </p:cNvSpPr>
-          <p:nvPr>
-            <p:ph idx="1"/>
-          </p:nvPr>
-        </p:nvSpPr>
-        <p:spPr/>
-        <p:txBody>
-          <a:bodyPr/>
-          <a:lstStyle/>
-          <a:p>
-            <a:r>
-              <a:rPr lang="en-US" dirty="0" smtClean="0"/>
-              <a:t>The Model was exported using pickle.</a:t>
-            </a:r>
-          </a:p>
-          <a:p>
-            <a:r>
-              <a:rPr lang="en-US" dirty="0" smtClean="0"/>
-              <a:t>Using Python Flask module and </a:t>
-            </a:r>
-            <a:r>
-              <a:rPr lang="en-US" dirty="0" err="1" smtClean="0"/>
-              <a:t>gunicorn</a:t>
-            </a:r>
-            <a:r>
-              <a:rPr lang="en-US" dirty="0" smtClean="0"/>
-              <a:t> http webserver the model was exposed through a </a:t>
-            </a:r>
-            <a:r>
-              <a:rPr lang="en-US" dirty="0" err="1" smtClean="0"/>
-              <a:t>webservice</a:t>
-            </a:r>
-            <a:r>
-              <a:rPr lang="en-US" dirty="0" smtClean="0"/>
-              <a:t>.</a:t>
-            </a:r>
-          </a:p>
-          <a:p>
-            <a:r>
-              <a:rPr lang="en-US" dirty="0" smtClean="0"/>
-              <a:t>A web page to input the values was created.</a:t>
-            </a:r>
-            <a:endParaRPr lang="en-US" dirty="0"/>
-          </a:p>
-        </p:txBody>
-      </p:sp>
-    </p:spTree>
-    <p:extLst>
-      <p:ext uri="{BB962C8B-B14F-4D97-AF65-F5344CB8AC3E}">
-        <p14:creationId xmlns:p14="http://schemas.microsoft.com/office/powerpoint/2010/main" val="3698872897"/>
-      </p:ext>
-    </p:extLst>
-  </p:cSld>
-  <p:clrMapOvr>
-    <a:masterClrMapping/>
-  </p:clrMapOvr>
-</p:sld>
-</file>
-
-<file path=ppt/slides/slide2.xml><?xml version="1.0" encoding="utf-8"?>
-<p:sld xmlns:a="http://schemas.openxmlformats.org/drawingml/2006/main" xmlns:r="http://schemas.openxmlformats.org/officeDocument/2006/relationships" xmlns:p="http://schemas.openxmlformats.org/presentationml/2006/main">
-  <p:cSld>
-    <p:spTree>
-      <p:nvGrpSpPr>
-        <p:cNvPr id="1" name=""/>
-        <p:cNvGrpSpPr/>
-        <p:nvPr/>
-      </p:nvGrpSpPr>
-      <p:grpSpPr>
-        <a:xfrm>
-          <a:off x="0" y="0"/>
-          <a:ext cx="0" cy="0"/>
-          <a:chOff x="0" y="0"/>
-          <a:chExt cx="0" cy="0"/>
-        </a:xfrm>
-      </p:grpSpPr>
-      <p:sp>
-        <p:nvSpPr>
-          <p:cNvPr id="2" name="Title 1"/>
-          <p:cNvSpPr>
-            <a:spLocks noGrp="1"/>
-          </p:cNvSpPr>
-          <p:nvPr>
-            <p:ph type="title"/>
-          </p:nvPr>
-        </p:nvSpPr>
-        <p:spPr/>
-        <p:txBody>
-          <a:bodyPr/>
-          <a:lstStyle/>
-          <a:p>
-            <a:r>
-              <a:rPr lang="en-US" dirty="0" smtClean="0"/>
-              <a:t>Dataset</a:t>
-            </a:r>
-            <a:endParaRPr lang="en-US" dirty="0"/>
-          </a:p>
-        </p:txBody>
-      </p:sp>
-      <p:sp>
-        <p:nvSpPr>
-          <p:cNvPr id="3" name="Content Placeholder 2"/>
-          <p:cNvSpPr>
-            <a:spLocks noGrp="1"/>
-          </p:cNvSpPr>
-          <p:nvPr>
-            <p:ph idx="1"/>
-          </p:nvPr>
-        </p:nvSpPr>
-        <p:spPr/>
-        <p:txBody>
-          <a:bodyPr/>
-          <a:lstStyle/>
-          <a:p>
-            <a:r>
-              <a:rPr lang="en-US" dirty="0" smtClean="0"/>
-              <a:t>The Dataset captures reading from EEG machine for 500 patients.</a:t>
-            </a:r>
-          </a:p>
-          <a:p>
-            <a:r>
-              <a:rPr lang="en-US" dirty="0" smtClean="0"/>
-              <a:t>Each row in the dataset contains 178 attributes /independent variable.</a:t>
-            </a:r>
-          </a:p>
-          <a:p>
-            <a:r>
-              <a:rPr lang="en-US" dirty="0" smtClean="0"/>
-              <a:t>Each attribute  contains reading from the EEG data at specific time interval.</a:t>
-            </a:r>
-          </a:p>
-          <a:p>
-            <a:r>
-              <a:rPr lang="en-US" dirty="0" smtClean="0"/>
-              <a:t>Each row contains a response variable.</a:t>
-            </a:r>
-          </a:p>
-          <a:p>
-            <a:r>
-              <a:rPr lang="en-US" dirty="0" smtClean="0"/>
-              <a:t>The dataset can be found at </a:t>
-            </a:r>
-            <a:r>
-              <a:rPr lang="en-US" u="sng" dirty="0" smtClean="0">
-                <a:hlinkClick r:id="rId2"/>
-              </a:rPr>
-              <a:t>here</a:t>
-            </a:r>
-            <a:endParaRPr lang="en-US" u="sng" dirty="0" smtClean="0"/>
-          </a:p>
-          <a:p>
-            <a:r>
-              <a:rPr lang="en-US" dirty="0" smtClean="0"/>
-              <a:t>Prediction on the dataset can be treated as a classification </a:t>
-            </a:r>
-          </a:p>
-          <a:p>
-            <a:endParaRPr lang="en-US" dirty="0"/>
-          </a:p>
-        </p:txBody>
-      </p:sp>
-    </p:spTree>
-    <p:extLst>
-      <p:ext uri="{BB962C8B-B14F-4D97-AF65-F5344CB8AC3E}">
-        <p14:creationId xmlns:p14="http://schemas.microsoft.com/office/powerpoint/2010/main" val="407100261"/>
-      </p:ext>
-    </p:extLst>
-  </p:cSld>
-  <p:clrMapOvr>
-    <a:masterClrMapping/>
-  </p:clrMapOvr>
-</p:sld>
-</file>
-
-<file path=ppt/slides/slide20.xml><?xml version="1.0" encoding="utf-8"?>
-<p:sld xmlns:a="http://schemas.openxmlformats.org/drawingml/2006/main" xmlns:r="http://schemas.openxmlformats.org/officeDocument/2006/relationships" xmlns:p="http://schemas.openxmlformats.org/presentationml/2006/main">
-  <p:cSld>
-    <p:spTree>
-      <p:nvGrpSpPr>
-        <p:cNvPr id="1" name=""/>
-        <p:cNvGrpSpPr/>
-        <p:nvPr/>
-      </p:nvGrpSpPr>
-      <p:grpSpPr>
-        <a:xfrm>
-          <a:off x="0" y="0"/>
-          <a:ext cx="0" cy="0"/>
-          <a:chOff x="0" y="0"/>
-          <a:chExt cx="0" cy="0"/>
-        </a:xfrm>
-      </p:grpSpPr>
-      <p:sp>
-        <p:nvSpPr>
-          <p:cNvPr id="2" name="Title 1"/>
-          <p:cNvSpPr>
-            <a:spLocks noGrp="1"/>
-          </p:cNvSpPr>
-          <p:nvPr>
-            <p:ph type="title"/>
-          </p:nvPr>
-        </p:nvSpPr>
-        <p:spPr/>
-        <p:txBody>
-          <a:bodyPr/>
-          <a:lstStyle/>
-          <a:p>
-            <a:r>
-              <a:rPr lang="en-US" dirty="0" smtClean="0"/>
-              <a:t>Web interface to call the model </a:t>
-            </a:r>
-            <a:endParaRPr lang="en-US" dirty="0"/>
-          </a:p>
-        </p:txBody>
-      </p:sp>
-      <p:pic>
-        <p:nvPicPr>
-          <p:cNvPr id="4" name="Content Placeholder 3"/>
-          <p:cNvPicPr>
-            <a:picLocks noGrp="1" noChangeAspect="1"/>
-          </p:cNvPicPr>
-          <p:nvPr>
-            <p:ph idx="1"/>
-          </p:nvPr>
-        </p:nvPicPr>
-        <p:blipFill>
-          <a:blip r:embed="rId2"/>
-          <a:stretch>
-            <a:fillRect/>
-          </a:stretch>
-        </p:blipFill>
-        <p:spPr>
-          <a:xfrm>
-            <a:off x="1131310" y="1933503"/>
-            <a:ext cx="8848725" cy="3581400"/>
-          </a:xfrm>
-          <a:prstGeom prst="rect">
-            <a:avLst/>
-          </a:prstGeom>
-        </p:spPr>
-      </p:pic>
-    </p:spTree>
-    <p:extLst>
-      <p:ext uri="{BB962C8B-B14F-4D97-AF65-F5344CB8AC3E}">
-        <p14:creationId xmlns:p14="http://schemas.microsoft.com/office/powerpoint/2010/main" val="101337709"/>
-      </p:ext>
-    </p:extLst>
-  </p:cSld>
-  <p:clrMapOvr>
-    <a:masterClrMapping/>
-  </p:clrMapOvr>
-</p:sld>
-</file>
-
-<file path=ppt/slides/slide21.xml><?xml version="1.0" encoding="utf-8"?>
-<p:sld xmlns:a="http://schemas.openxmlformats.org/drawingml/2006/main" xmlns:r="http://schemas.openxmlformats.org/officeDocument/2006/relationships" xmlns:p="http://schemas.openxmlformats.org/presentationml/2006/main">
-  <p:cSld>
-    <p:spTree>
-      <p:nvGrpSpPr>
-        <p:cNvPr id="1" name=""/>
-        <p:cNvGrpSpPr/>
-        <p:nvPr/>
-      </p:nvGrpSpPr>
-      <p:grpSpPr>
-        <a:xfrm>
-          <a:off x="0" y="0"/>
-          <a:ext cx="0" cy="0"/>
-          <a:chOff x="0" y="0"/>
-          <a:chExt cx="0" cy="0"/>
-        </a:xfrm>
-      </p:grpSpPr>
-      <p:sp>
-        <p:nvSpPr>
-          <p:cNvPr id="2" name="Title 1"/>
-          <p:cNvSpPr>
-            <a:spLocks noGrp="1"/>
-          </p:cNvSpPr>
-          <p:nvPr>
-            <p:ph type="title"/>
-          </p:nvPr>
-        </p:nvSpPr>
-        <p:spPr/>
-        <p:txBody>
-          <a:bodyPr/>
-          <a:lstStyle/>
-          <a:p>
-            <a:r>
-              <a:rPr lang="en-US" dirty="0" smtClean="0"/>
-              <a:t>Credits</a:t>
-            </a:r>
-            <a:endParaRPr lang="en-US" dirty="0"/>
-          </a:p>
-        </p:txBody>
-      </p:sp>
-      <p:sp>
-        <p:nvSpPr>
-          <p:cNvPr id="3" name="Content Placeholder 2"/>
-          <p:cNvSpPr>
-            <a:spLocks noGrp="1"/>
-          </p:cNvSpPr>
-          <p:nvPr>
-            <p:ph idx="1"/>
-          </p:nvPr>
-        </p:nvSpPr>
-        <p:spPr/>
-        <p:txBody>
-          <a:bodyPr/>
-          <a:lstStyle/>
-          <a:p>
-            <a:r>
-              <a:rPr lang="en-US" dirty="0" smtClean="0"/>
-              <a:t>Many thanks to my mentor </a:t>
-            </a:r>
-            <a:r>
-              <a:rPr lang="en-US" dirty="0" smtClean="0">
-                <a:hlinkClick r:id="rId2"/>
-              </a:rPr>
-              <a:t>Amir </a:t>
-            </a:r>
-            <a:r>
-              <a:rPr lang="en-US" dirty="0" err="1" smtClean="0">
-                <a:hlinkClick r:id="rId2"/>
-              </a:rPr>
-              <a:t>Ziai</a:t>
-            </a:r>
-            <a:r>
-              <a:rPr lang="en-US" dirty="0" smtClean="0">
-                <a:hlinkClick r:id="rId2"/>
-              </a:rPr>
-              <a:t> </a:t>
-            </a:r>
-            <a:endParaRPr lang="en-US" dirty="0" smtClean="0"/>
-          </a:p>
-          <a:p>
-            <a:r>
-              <a:rPr lang="en-US" dirty="0" smtClean="0"/>
-              <a:t>Thanks to </a:t>
-            </a:r>
-            <a:r>
-              <a:rPr lang="en-US" dirty="0" smtClean="0">
-                <a:hlinkClick r:id="rId3"/>
-              </a:rPr>
-              <a:t>UCI </a:t>
-            </a:r>
-            <a:r>
-              <a:rPr lang="en-US" dirty="0" smtClean="0"/>
-              <a:t>for hosting the Dataset</a:t>
-            </a:r>
-          </a:p>
-          <a:p>
-            <a:r>
-              <a:rPr lang="en-US" dirty="0" smtClean="0"/>
-              <a:t>Thanks to the authors of </a:t>
-            </a:r>
-            <a:r>
-              <a:rPr lang="en-US" dirty="0"/>
-              <a:t>the Dataset (</a:t>
-            </a:r>
-            <a:r>
-              <a:rPr lang="en-US" dirty="0" err="1"/>
-              <a:t>Andrzejak</a:t>
-            </a:r>
-            <a:r>
-              <a:rPr lang="en-US" dirty="0"/>
-              <a:t> RG, </a:t>
-            </a:r>
-            <a:r>
-              <a:rPr lang="en-US" dirty="0" err="1"/>
-              <a:t>Lehnertz</a:t>
-            </a:r>
-            <a:r>
-              <a:rPr lang="en-US" dirty="0"/>
-              <a:t> K, </a:t>
-            </a:r>
-            <a:r>
-              <a:rPr lang="en-US" dirty="0" err="1"/>
-              <a:t>Rieke</a:t>
-            </a:r>
-            <a:r>
-              <a:rPr lang="en-US" dirty="0"/>
-              <a:t> C, </a:t>
-            </a:r>
-            <a:r>
-              <a:rPr lang="en-US" dirty="0" err="1"/>
-              <a:t>Mormann</a:t>
-            </a:r>
-            <a:r>
-              <a:rPr lang="en-US" dirty="0"/>
-              <a:t> F, David P, </a:t>
-            </a:r>
-            <a:r>
-              <a:rPr lang="en-US" dirty="0" err="1"/>
-              <a:t>Elger</a:t>
-            </a:r>
-            <a:r>
-              <a:rPr lang="en-US" dirty="0"/>
-              <a:t> CE (2001) Indications of nonlinear deterministic and finite dimensional structures in time series of brain electrical activity: Dependence on recording region and brain state, Phys. Rev. E, 64, </a:t>
-            </a:r>
-            <a:r>
-              <a:rPr lang="en-US" dirty="0" smtClean="0"/>
-              <a:t>061907)</a:t>
-            </a:r>
-            <a:endParaRPr lang="en-US" dirty="0"/>
-          </a:p>
-          <a:p>
-            <a:endParaRPr lang="en-US" dirty="0" smtClean="0"/>
-          </a:p>
-          <a:p>
-            <a:pPr marL="0" indent="0">
-              <a:buNone/>
-            </a:pPr>
-            <a:endParaRPr lang="en-US" dirty="0"/>
-          </a:p>
-        </p:txBody>
-      </p:sp>
-    </p:spTree>
-    <p:extLst>
-      <p:ext uri="{BB962C8B-B14F-4D97-AF65-F5344CB8AC3E}">
-        <p14:creationId xmlns:p14="http://schemas.microsoft.com/office/powerpoint/2010/main" val="2672257808"/>
-      </p:ext>
-    </p:extLst>
-  </p:cSld>
-  <p:clrMapOvr>
-    <a:masterClrMapping/>
-  </p:clrMapOvr>
-</p:sld>
-</file>
-
-<file path=ppt/slides/slide3.xml><?xml version="1.0" encoding="utf-8"?>
-<p:sld xmlns:a="http://schemas.openxmlformats.org/drawingml/2006/main" xmlns:r="http://schemas.openxmlformats.org/officeDocument/2006/relationships" xmlns:p="http://schemas.openxmlformats.org/presentationml/2006/main">
-  <p:cSld>
-    <p:spTree>
-      <p:nvGrpSpPr>
-        <p:cNvPr id="1" name=""/>
-        <p:cNvGrpSpPr/>
-        <p:nvPr/>
-      </p:nvGrpSpPr>
-      <p:grpSpPr>
-        <a:xfrm>
-          <a:off x="0" y="0"/>
-          <a:ext cx="0" cy="0"/>
-          <a:chOff x="0" y="0"/>
-          <a:chExt cx="0" cy="0"/>
-        </a:xfrm>
-      </p:grpSpPr>
-      <p:sp>
-        <p:nvSpPr>
-          <p:cNvPr id="2" name="Title 1"/>
-          <p:cNvSpPr>
-            <a:spLocks noGrp="1"/>
-          </p:cNvSpPr>
-          <p:nvPr>
-            <p:ph type="title"/>
-          </p:nvPr>
-        </p:nvSpPr>
-        <p:spPr/>
-        <p:txBody>
-          <a:bodyPr/>
-          <a:lstStyle/>
-          <a:p>
-            <a:r>
-              <a:rPr lang="en-US" dirty="0" smtClean="0"/>
-              <a:t>Approach</a:t>
-            </a:r>
-            <a:endParaRPr lang="en-US" dirty="0"/>
-          </a:p>
-        </p:txBody>
-      </p:sp>
-      <p:sp>
-        <p:nvSpPr>
-          <p:cNvPr id="3" name="Content Placeholder 2"/>
-          <p:cNvSpPr>
-            <a:spLocks noGrp="1"/>
-          </p:cNvSpPr>
-          <p:nvPr>
-            <p:ph idx="1"/>
-          </p:nvPr>
-        </p:nvSpPr>
-        <p:spPr/>
-        <p:txBody>
-          <a:bodyPr/>
-          <a:lstStyle/>
-          <a:p>
-            <a:r>
-              <a:rPr lang="en-US" dirty="0" smtClean="0"/>
-              <a:t>Perform Exploratory data analysis.</a:t>
-            </a:r>
-          </a:p>
-          <a:p>
-            <a:r>
-              <a:rPr lang="en-US" dirty="0" smtClean="0"/>
-              <a:t>Perform Inferential statistics</a:t>
-            </a:r>
-          </a:p>
-          <a:p>
-            <a:r>
-              <a:rPr lang="en-US" dirty="0" smtClean="0"/>
-              <a:t>Pre processing steps based on Data analysis.</a:t>
-            </a:r>
-          </a:p>
-          <a:p>
-            <a:r>
-              <a:rPr lang="en-US" dirty="0" smtClean="0"/>
-              <a:t>Run classification algorithms</a:t>
-            </a:r>
-          </a:p>
-          <a:p>
-            <a:r>
-              <a:rPr lang="en-US" dirty="0" smtClean="0"/>
-              <a:t>Identify the best classification algorithm</a:t>
-            </a:r>
-          </a:p>
-          <a:p>
-            <a:r>
-              <a:rPr lang="en-US" dirty="0" smtClean="0"/>
-              <a:t>Create a </a:t>
-            </a:r>
-            <a:r>
-              <a:rPr lang="en-US" dirty="0" err="1" smtClean="0"/>
-              <a:t>webservice</a:t>
-            </a:r>
-            <a:r>
-              <a:rPr lang="en-US" dirty="0" smtClean="0"/>
-              <a:t> to make the model available </a:t>
-            </a:r>
-            <a:endParaRPr lang="en-US" dirty="0"/>
-          </a:p>
-        </p:txBody>
-      </p:sp>
-    </p:spTree>
-    <p:extLst>
-      <p:ext uri="{BB962C8B-B14F-4D97-AF65-F5344CB8AC3E}">
-        <p14:creationId xmlns:p14="http://schemas.microsoft.com/office/powerpoint/2010/main" val="1459910754"/>
-      </p:ext>
-    </p:extLst>
-  </p:cSld>
-  <p:clrMapOvr>
-    <a:masterClrMapping/>
-  </p:clrMapOvr>
-</p:sld>
-</file>
-
-<file path=ppt/slides/slide4.xml><?xml version="1.0" encoding="utf-8"?>
-<p:sld xmlns:a="http://schemas.openxmlformats.org/drawingml/2006/main" xmlns:r="http://schemas.openxmlformats.org/officeDocument/2006/relationships" xmlns:p="http://schemas.openxmlformats.org/presentationml/2006/main">
-  <p:cSld>
-    <p:spTree>
-      <p:nvGrpSpPr>
-        <p:cNvPr id="1" name=""/>
-        <p:cNvGrpSpPr/>
-        <p:nvPr/>
-      </p:nvGrpSpPr>
-      <p:grpSpPr>
-        <a:xfrm>
-          <a:off x="0" y="0"/>
-          <a:ext cx="0" cy="0"/>
-          <a:chOff x="0" y="0"/>
-          <a:chExt cx="0" cy="0"/>
-        </a:xfrm>
-      </p:grpSpPr>
-      <p:sp>
-        <p:nvSpPr>
-          <p:cNvPr id="2" name="Title 1"/>
-          <p:cNvSpPr>
-            <a:spLocks noGrp="1"/>
-          </p:cNvSpPr>
-          <p:nvPr>
-            <p:ph type="title"/>
-          </p:nvPr>
-        </p:nvSpPr>
-        <p:spPr/>
-        <p:txBody>
-          <a:bodyPr/>
-          <a:lstStyle/>
-          <a:p>
-            <a:r>
-              <a:rPr lang="en-US" dirty="0" smtClean="0"/>
-              <a:t>Exploratory Data Analysis - 1</a:t>
-            </a:r>
-            <a:endParaRPr lang="en-US" dirty="0"/>
-          </a:p>
-        </p:txBody>
-      </p:sp>
-      <p:pic>
-        <p:nvPicPr>
-          <p:cNvPr id="5" name="Picture 4"/>
-          <p:cNvPicPr>
-            <a:picLocks noChangeAspect="1"/>
-          </p:cNvPicPr>
-          <p:nvPr/>
-        </p:nvPicPr>
-        <p:blipFill>
-          <a:blip r:embed="rId2"/>
-          <a:stretch>
-            <a:fillRect/>
-          </a:stretch>
-        </p:blipFill>
-        <p:spPr>
-          <a:xfrm>
-            <a:off x="982806" y="2026228"/>
-            <a:ext cx="10370993" cy="2662532"/>
-          </a:xfrm>
-          <a:prstGeom prst="rect">
-            <a:avLst/>
-          </a:prstGeom>
-        </p:spPr>
-      </p:pic>
-      <p:sp>
-        <p:nvSpPr>
-          <p:cNvPr id="6" name="TextBox 5"/>
-          <p:cNvSpPr txBox="1"/>
-          <p:nvPr/>
-        </p:nvSpPr>
-        <p:spPr>
-          <a:xfrm>
-            <a:off x="982806" y="5250873"/>
-            <a:ext cx="10142394" cy="646331"/>
-          </a:xfrm>
-          <a:prstGeom prst="rect">
-            <a:avLst/>
-          </a:prstGeom>
-          <a:noFill/>
-        </p:spPr>
-        <p:txBody>
-          <a:bodyPr wrap="square" rtlCol="0">
-            <a:spAutoFit/>
-          </a:bodyPr>
-          <a:lstStyle/>
-          <a:p>
-            <a:r>
-              <a:rPr lang="en-US" dirty="0" smtClean="0"/>
-              <a:t>Y is the response or dependent variable</a:t>
-            </a:r>
-          </a:p>
-          <a:p>
-            <a:r>
-              <a:rPr lang="en-US" dirty="0" smtClean="0"/>
-              <a:t>X1..X178 are the readings from the EEG.</a:t>
-            </a:r>
-            <a:endParaRPr lang="en-US" dirty="0"/>
-          </a:p>
-        </p:txBody>
-      </p:sp>
-    </p:spTree>
-    <p:extLst>
-      <p:ext uri="{BB962C8B-B14F-4D97-AF65-F5344CB8AC3E}">
-        <p14:creationId xmlns:p14="http://schemas.microsoft.com/office/powerpoint/2010/main" val="1892995766"/>
-      </p:ext>
-    </p:extLst>
-  </p:cSld>
-  <p:clrMapOvr>
-    <a:masterClrMapping/>
-  </p:clrMapOvr>
-</p:sld>
-</file>
-
-<file path=ppt/slides/slide5.xml><?xml version="1.0" encoding="utf-8"?>
-<p:sld xmlns:a="http://schemas.openxmlformats.org/drawingml/2006/main" xmlns:r="http://schemas.openxmlformats.org/officeDocument/2006/relationships" xmlns:p="http://schemas.openxmlformats.org/presentationml/2006/main">
-  <p:cSld>
-    <p:spTree>
-      <p:nvGrpSpPr>
-        <p:cNvPr id="1" name=""/>
-        <p:cNvGrpSpPr/>
-        <p:nvPr/>
-      </p:nvGrpSpPr>
-      <p:grpSpPr>
-        <a:xfrm>
-          <a:off x="0" y="0"/>
-          <a:ext cx="0" cy="0"/>
-          <a:chOff x="0" y="0"/>
-          <a:chExt cx="0" cy="0"/>
-        </a:xfrm>
-      </p:grpSpPr>
-      <p:sp>
-        <p:nvSpPr>
-          <p:cNvPr id="2" name="Title 1"/>
-          <p:cNvSpPr>
-            <a:spLocks noGrp="1"/>
-          </p:cNvSpPr>
-          <p:nvPr>
-            <p:ph type="title"/>
-          </p:nvPr>
-        </p:nvSpPr>
-        <p:spPr/>
-        <p:txBody>
-          <a:bodyPr/>
-          <a:lstStyle/>
-          <a:p>
-            <a:r>
-              <a:rPr lang="en-US" dirty="0" smtClean="0"/>
-              <a:t>Exploratory Data Analysis - 2</a:t>
-            </a:r>
-            <a:endParaRPr lang="en-US" dirty="0"/>
-          </a:p>
-        </p:txBody>
-      </p:sp>
-      <p:sp>
-        <p:nvSpPr>
-          <p:cNvPr id="6" name="TextBox 5"/>
-          <p:cNvSpPr txBox="1"/>
-          <p:nvPr/>
-        </p:nvSpPr>
-        <p:spPr>
-          <a:xfrm>
-            <a:off x="982806" y="5250873"/>
-            <a:ext cx="10142394" cy="923330"/>
-          </a:xfrm>
-          <a:prstGeom prst="rect">
-            <a:avLst/>
-          </a:prstGeom>
-          <a:noFill/>
-        </p:spPr>
-        <p:txBody>
-          <a:bodyPr wrap="square" rtlCol="0">
-            <a:spAutoFit/>
-          </a:bodyPr>
-          <a:lstStyle/>
-          <a:p>
-            <a:r>
-              <a:rPr lang="en-US" dirty="0" smtClean="0"/>
-              <a:t>A cursory glance at the Summary statistics shows</a:t>
-            </a:r>
-          </a:p>
-          <a:p>
-            <a:pPr marL="285750" indent="-285750">
-              <a:buFont typeface="Arial" panose="020B0604020202020204" pitchFamily="34" charset="0"/>
-              <a:buChar char="•"/>
-            </a:pPr>
-            <a:r>
-              <a:rPr lang="en-US" dirty="0" smtClean="0"/>
-              <a:t>No </a:t>
-            </a:r>
-            <a:r>
-              <a:rPr lang="en-US" dirty="0"/>
-              <a:t>m</a:t>
-            </a:r>
-            <a:r>
-              <a:rPr lang="en-US" dirty="0" smtClean="0"/>
-              <a:t>issing values</a:t>
-            </a:r>
-          </a:p>
-          <a:p>
-            <a:pPr marL="285750" indent="-285750">
-              <a:buFont typeface="Arial" panose="020B0604020202020204" pitchFamily="34" charset="0"/>
-              <a:buChar char="•"/>
-            </a:pPr>
-            <a:r>
-              <a:rPr lang="en-US" dirty="0" smtClean="0"/>
-              <a:t>There is no need to normalize the dataset, since all variables have the same scale.</a:t>
-            </a:r>
-          </a:p>
-        </p:txBody>
-      </p:sp>
-      <p:pic>
-        <p:nvPicPr>
-          <p:cNvPr id="3" name="Picture 2"/>
-          <p:cNvPicPr>
-            <a:picLocks noChangeAspect="1"/>
-          </p:cNvPicPr>
-          <p:nvPr/>
-        </p:nvPicPr>
-        <p:blipFill>
-          <a:blip r:embed="rId2"/>
-          <a:stretch>
-            <a:fillRect/>
-          </a:stretch>
-        </p:blipFill>
-        <p:spPr>
-          <a:xfrm>
-            <a:off x="800100" y="1690688"/>
-            <a:ext cx="10591800" cy="2619375"/>
-          </a:xfrm>
-          <a:prstGeom prst="rect">
-            <a:avLst/>
-          </a:prstGeom>
-        </p:spPr>
-      </p:pic>
-    </p:spTree>
-    <p:extLst>
-      <p:ext uri="{BB962C8B-B14F-4D97-AF65-F5344CB8AC3E}">
-        <p14:creationId xmlns:p14="http://schemas.microsoft.com/office/powerpoint/2010/main" val="3502988764"/>
-      </p:ext>
-    </p:extLst>
-  </p:cSld>
-  <p:clrMapOvr>
-    <a:masterClrMapping/>
-  </p:clrMapOvr>
-</p:sld>
-</file>
-
-<file path=ppt/slides/slide6.xml><?xml version="1.0" encoding="utf-8"?>
-<p:sld xmlns:a="http://schemas.openxmlformats.org/drawingml/2006/main" xmlns:r="http://schemas.openxmlformats.org/officeDocument/2006/relationships" xmlns:p="http://schemas.openxmlformats.org/presentationml/2006/main">
-  <p:cSld>
-    <p:spTree>
-      <p:nvGrpSpPr>
-        <p:cNvPr id="1" name=""/>
-        <p:cNvGrpSpPr/>
-        <p:nvPr/>
-      </p:nvGrpSpPr>
-      <p:grpSpPr>
-        <a:xfrm>
-          <a:off x="0" y="0"/>
-          <a:ext cx="0" cy="0"/>
-          <a:chOff x="0" y="0"/>
-          <a:chExt cx="0" cy="0"/>
-        </a:xfrm>
-      </p:grpSpPr>
-      <p:sp>
-        <p:nvSpPr>
-          <p:cNvPr id="2" name="Title 1"/>
-          <p:cNvSpPr>
-            <a:spLocks noGrp="1"/>
-          </p:cNvSpPr>
-          <p:nvPr>
-            <p:ph type="title"/>
-          </p:nvPr>
-        </p:nvSpPr>
-        <p:spPr/>
-        <p:txBody>
-          <a:bodyPr/>
-          <a:lstStyle/>
-          <a:p>
-            <a:r>
-              <a:rPr lang="en-US" dirty="0" smtClean="0"/>
-              <a:t>Exploratory Data Analysis - 3</a:t>
-            </a:r>
-            <a:endParaRPr lang="en-US" dirty="0"/>
-          </a:p>
-        </p:txBody>
-      </p:sp>
-      <p:sp>
-        <p:nvSpPr>
-          <p:cNvPr id="6" name="TextBox 5"/>
-          <p:cNvSpPr txBox="1"/>
-          <p:nvPr/>
-        </p:nvSpPr>
-        <p:spPr>
-          <a:xfrm>
-            <a:off x="838200" y="5294977"/>
-            <a:ext cx="10674927" cy="1200329"/>
-          </a:xfrm>
-          <a:prstGeom prst="rect">
-            <a:avLst/>
-          </a:prstGeom>
-          <a:noFill/>
-        </p:spPr>
-        <p:txBody>
-          <a:bodyPr wrap="square" rtlCol="0">
-            <a:spAutoFit/>
-          </a:bodyPr>
-          <a:lstStyle/>
-          <a:p>
-            <a:r>
-              <a:rPr lang="en-US" dirty="0" smtClean="0"/>
-              <a:t>There are 5 different labels/ Dependent variables.</a:t>
-            </a:r>
-          </a:p>
-          <a:p>
-            <a:r>
-              <a:rPr lang="en-US" dirty="0" smtClean="0"/>
-              <a:t>Label 1 indicates an Epileptic patient. All other Labels indicate a Non Epileptic patient.</a:t>
-            </a:r>
-          </a:p>
-          <a:p>
-            <a:r>
-              <a:rPr lang="en-US" dirty="0" smtClean="0"/>
-              <a:t>There is a class imbalance between the Epileptic and a Non Epileptic patient.</a:t>
-            </a:r>
-            <a:r>
-              <a:rPr lang="en-US" dirty="0"/>
-              <a:t> </a:t>
-            </a:r>
-            <a:r>
-              <a:rPr lang="en-US" dirty="0" smtClean="0"/>
-              <a:t>We will handle this during the pre processing of the data.</a:t>
-            </a:r>
-          </a:p>
-        </p:txBody>
-      </p:sp>
-      <p:pic>
-        <p:nvPicPr>
-          <p:cNvPr id="4" name="Picture 3"/>
-          <p:cNvPicPr>
-            <a:picLocks noChangeAspect="1"/>
-          </p:cNvPicPr>
-          <p:nvPr/>
-        </p:nvPicPr>
-        <p:blipFill>
-          <a:blip r:embed="rId2"/>
-          <a:stretch>
-            <a:fillRect/>
-          </a:stretch>
-        </p:blipFill>
-        <p:spPr>
-          <a:xfrm>
-            <a:off x="2257424" y="1485900"/>
-            <a:ext cx="5625811" cy="3611632"/>
-          </a:xfrm>
-          <a:prstGeom prst="rect">
-            <a:avLst/>
-          </a:prstGeom>
-        </p:spPr>
-      </p:pic>
-    </p:spTree>
-    <p:extLst>
-      <p:ext uri="{BB962C8B-B14F-4D97-AF65-F5344CB8AC3E}">
-        <p14:creationId xmlns:p14="http://schemas.microsoft.com/office/powerpoint/2010/main" val="3221469843"/>
-      </p:ext>
-    </p:extLst>
-  </p:cSld>
-  <p:clrMapOvr>
-    <a:masterClrMapping/>
-  </p:clrMapOvr>
-</p:sld>
-</file>
-
-<file path=ppt/slides/slide7.xml><?xml version="1.0" encoding="utf-8"?>
-<p:sld xmlns:a="http://schemas.openxmlformats.org/drawingml/2006/main" xmlns:r="http://schemas.openxmlformats.org/officeDocument/2006/relationships" xmlns:p="http://schemas.openxmlformats.org/presentationml/2006/main">
-  <p:cSld>
-    <p:spTree>
-      <p:nvGrpSpPr>
-        <p:cNvPr id="1" name=""/>
-        <p:cNvGrpSpPr/>
-        <p:nvPr/>
-      </p:nvGrpSpPr>
-      <p:grpSpPr>
-        <a:xfrm>
-          <a:off x="0" y="0"/>
-          <a:ext cx="0" cy="0"/>
-          <a:chOff x="0" y="0"/>
-          <a:chExt cx="0" cy="0"/>
-        </a:xfrm>
-      </p:grpSpPr>
-      <p:sp>
-        <p:nvSpPr>
-          <p:cNvPr id="2" name="Title 1"/>
-          <p:cNvSpPr>
-            <a:spLocks noGrp="1"/>
-          </p:cNvSpPr>
-          <p:nvPr>
-            <p:ph type="title"/>
-          </p:nvPr>
-        </p:nvSpPr>
-        <p:spPr/>
-        <p:txBody>
-          <a:bodyPr/>
-          <a:lstStyle/>
-          <a:p>
-            <a:r>
-              <a:rPr lang="en-US" dirty="0" smtClean="0"/>
-              <a:t>Exploratory Data Analysis - 4</a:t>
-            </a:r>
-            <a:endParaRPr lang="en-US" dirty="0"/>
-          </a:p>
-        </p:txBody>
-      </p:sp>
-      <p:sp>
-        <p:nvSpPr>
-          <p:cNvPr id="6" name="TextBox 5"/>
-          <p:cNvSpPr txBox="1"/>
-          <p:nvPr/>
-        </p:nvSpPr>
-        <p:spPr>
-          <a:xfrm>
-            <a:off x="838200" y="5294977"/>
-            <a:ext cx="10674927" cy="369332"/>
-          </a:xfrm>
-          <a:prstGeom prst="rect">
-            <a:avLst/>
-          </a:prstGeom>
-          <a:noFill/>
-        </p:spPr>
-        <p:txBody>
-          <a:bodyPr wrap="square" rtlCol="0">
-            <a:spAutoFit/>
-          </a:bodyPr>
-          <a:lstStyle/>
-          <a:p>
-            <a:r>
-              <a:rPr lang="en-US" dirty="0" smtClean="0"/>
-              <a:t>It can be clearly seen that Epileptic cases (Y=1) have a high variation across all attributes</a:t>
-            </a:r>
-          </a:p>
-        </p:txBody>
-      </p:sp>
-      <p:pic>
-        <p:nvPicPr>
-          <p:cNvPr id="5" name="Picture 4"/>
-          <p:cNvPicPr>
-            <a:picLocks noChangeAspect="1"/>
-          </p:cNvPicPr>
-          <p:nvPr/>
-        </p:nvPicPr>
-        <p:blipFill>
-          <a:blip r:embed="rId2"/>
-          <a:stretch>
-            <a:fillRect/>
-          </a:stretch>
-        </p:blipFill>
-        <p:spPr>
-          <a:xfrm>
-            <a:off x="2844944" y="1690688"/>
-            <a:ext cx="5370801" cy="3331788"/>
-          </a:xfrm>
-          <a:prstGeom prst="rect">
-            <a:avLst/>
-          </a:prstGeom>
-        </p:spPr>
-      </p:pic>
-    </p:spTree>
-    <p:extLst>
-      <p:ext uri="{BB962C8B-B14F-4D97-AF65-F5344CB8AC3E}">
-        <p14:creationId xmlns:p14="http://schemas.microsoft.com/office/powerpoint/2010/main" val="2807446643"/>
-      </p:ext>
-    </p:extLst>
-  </p:cSld>
-  <p:clrMapOvr>
-    <a:masterClrMapping/>
-  </p:clrMapOvr>
-</p:sld>
-</file>
-
-<file path=ppt/slides/slide8.xml><?xml version="1.0" encoding="utf-8"?>
-<p:sld xmlns:a="http://schemas.openxmlformats.org/drawingml/2006/main" xmlns:r="http://schemas.openxmlformats.org/officeDocument/2006/relationships" xmlns:p="http://schemas.openxmlformats.org/presentationml/2006/main">
-  <p:cSld>
-    <p:spTree>
-      <p:nvGrpSpPr>
-        <p:cNvPr id="1" name=""/>
-        <p:cNvGrpSpPr/>
-        <p:nvPr/>
-      </p:nvGrpSpPr>
-      <p:grpSpPr>
-        <a:xfrm>
-          <a:off x="0" y="0"/>
-          <a:ext cx="0" cy="0"/>
-          <a:chOff x="0" y="0"/>
-          <a:chExt cx="0" cy="0"/>
-        </a:xfrm>
-      </p:grpSpPr>
-      <p:sp>
-        <p:nvSpPr>
-          <p:cNvPr id="2" name="Title 1"/>
-          <p:cNvSpPr>
-            <a:spLocks noGrp="1"/>
-          </p:cNvSpPr>
-          <p:nvPr>
-            <p:ph type="title"/>
-          </p:nvPr>
-        </p:nvSpPr>
-        <p:spPr/>
-        <p:txBody>
-          <a:bodyPr/>
-          <a:lstStyle/>
-          <a:p>
-            <a:r>
-              <a:rPr lang="en-US" dirty="0" smtClean="0"/>
-              <a:t>Inferential Statistics – Test for Normality -1</a:t>
-            </a:r>
-            <a:endParaRPr lang="en-US" dirty="0"/>
-          </a:p>
-        </p:txBody>
-      </p:sp>
-      <p:pic>
-        <p:nvPicPr>
-          <p:cNvPr id="4" name="Picture 3"/>
-          <p:cNvPicPr>
-            <a:picLocks noChangeAspect="1"/>
-          </p:cNvPicPr>
-          <p:nvPr/>
-        </p:nvPicPr>
-        <p:blipFill>
-          <a:blip r:embed="rId2"/>
-          <a:stretch>
-            <a:fillRect/>
-          </a:stretch>
-        </p:blipFill>
-        <p:spPr>
-          <a:xfrm>
-            <a:off x="2433637" y="1358177"/>
-            <a:ext cx="5006254" cy="3679429"/>
-          </a:xfrm>
-          <a:prstGeom prst="rect">
-            <a:avLst/>
-          </a:prstGeom>
-        </p:spPr>
-      </p:pic>
-      <p:sp>
-        <p:nvSpPr>
-          <p:cNvPr id="5" name="TextBox 4"/>
-          <p:cNvSpPr txBox="1"/>
-          <p:nvPr/>
-        </p:nvSpPr>
-        <p:spPr>
-          <a:xfrm>
-            <a:off x="838200" y="5294977"/>
-            <a:ext cx="10674927" cy="923330"/>
-          </a:xfrm>
-          <a:prstGeom prst="rect">
-            <a:avLst/>
-          </a:prstGeom>
-          <a:noFill/>
-        </p:spPr>
-        <p:txBody>
-          <a:bodyPr wrap="square" rtlCol="0">
-            <a:spAutoFit/>
-          </a:bodyPr>
-          <a:lstStyle/>
-          <a:p>
-            <a:r>
-              <a:rPr lang="en-US" dirty="0" smtClean="0"/>
-              <a:t>None of the variables are Normally distributed. The above is normal test . The High values (highlighted in red) and p value of 0 (highlighted in blue) indicate we can reject the null Hypothesis (The data is normally distributed)c</a:t>
-            </a:r>
-          </a:p>
-        </p:txBody>
-      </p:sp>
-    </p:spTree>
-    <p:extLst>
-      <p:ext uri="{BB962C8B-B14F-4D97-AF65-F5344CB8AC3E}">
-        <p14:creationId xmlns:p14="http://schemas.microsoft.com/office/powerpoint/2010/main" val="3918067285"/>
-      </p:ext>
-    </p:extLst>
-  </p:cSld>
-  <p:clrMapOvr>
-    <a:masterClrMapping/>
-  </p:clrMapOvr>
-</p:sld>
-</file>
-
-<file path=ppt/slides/slide9.xml><?xml version="1.0" encoding="utf-8"?>
-<p:sld xmlns:a="http://schemas.openxmlformats.org/drawingml/2006/main" xmlns:r="http://schemas.openxmlformats.org/officeDocument/2006/relationships" xmlns:p="http://schemas.openxmlformats.org/presentationml/2006/main">
-  <p:cSld>
-    <p:spTree>
-      <p:nvGrpSpPr>
-        <p:cNvPr id="1" name=""/>
-        <p:cNvGrpSpPr/>
-        <p:nvPr/>
-      </p:nvGrpSpPr>
-      <p:grpSpPr>
-        <a:xfrm>
-          <a:off x="0" y="0"/>
-          <a:ext cx="0" cy="0"/>
-          <a:chOff x="0" y="0"/>
-          <a:chExt cx="0" cy="0"/>
-        </a:xfrm>
-      </p:grpSpPr>
-      <p:sp>
-        <p:nvSpPr>
-          <p:cNvPr id="2" name="Title 1"/>
-          <p:cNvSpPr>
-            <a:spLocks noGrp="1"/>
-          </p:cNvSpPr>
-          <p:nvPr>
-            <p:ph type="title"/>
-          </p:nvPr>
-        </p:nvSpPr>
-        <p:spPr/>
-        <p:txBody>
-          <a:bodyPr/>
-          <a:lstStyle/>
-          <a:p>
-            <a:r>
-              <a:rPr lang="en-US" dirty="0" smtClean="0"/>
               <a:t>Inferential Statistics – Test for Normality -2</a:t>
             </a:r>
             <a:endParaRPr lang="en-US" dirty="0"/>
@@ -5451,6 +3214,2203 @@
     <p:extLst>
       <p:ext uri="{BB962C8B-B14F-4D97-AF65-F5344CB8AC3E}">
         <p14:creationId xmlns:p14="http://schemas.microsoft.com/office/powerpoint/2010/main" val="2516998621"/>
+      </p:ext>
+    </p:extLst>
+  </p:cSld>
+  <p:clrMapOvr>
+    <a:masterClrMapping/>
+  </p:clrMapOvr>
+</p:sld>
+</file>
+
+<file path=ppt/slides/slide11.xml><?xml version="1.0" encoding="utf-8"?>
+<p:sld xmlns:a="http://schemas.openxmlformats.org/drawingml/2006/main" xmlns:r="http://schemas.openxmlformats.org/officeDocument/2006/relationships" xmlns:p="http://schemas.openxmlformats.org/presentationml/2006/main">
+  <p:cSld>
+    <p:spTree>
+      <p:nvGrpSpPr>
+        <p:cNvPr id="1" name=""/>
+        <p:cNvGrpSpPr/>
+        <p:nvPr/>
+      </p:nvGrpSpPr>
+      <p:grpSpPr>
+        <a:xfrm>
+          <a:off x="0" y="0"/>
+          <a:ext cx="0" cy="0"/>
+          <a:chOff x="0" y="0"/>
+          <a:chExt cx="0" cy="0"/>
+        </a:xfrm>
+      </p:grpSpPr>
+      <p:sp>
+        <p:nvSpPr>
+          <p:cNvPr id="2" name="Title 1"/>
+          <p:cNvSpPr>
+            <a:spLocks noGrp="1"/>
+          </p:cNvSpPr>
+          <p:nvPr>
+            <p:ph type="title"/>
+          </p:nvPr>
+        </p:nvSpPr>
+        <p:spPr/>
+        <p:txBody>
+          <a:bodyPr/>
+          <a:lstStyle/>
+          <a:p>
+            <a:r>
+              <a:rPr lang="en-US" dirty="0" smtClean="0"/>
+              <a:t>Inferential Statistics – Correlation </a:t>
+            </a:r>
+            <a:endParaRPr lang="en-US" dirty="0"/>
+          </a:p>
+        </p:txBody>
+      </p:sp>
+      <p:sp>
+        <p:nvSpPr>
+          <p:cNvPr id="5" name="TextBox 4"/>
+          <p:cNvSpPr txBox="1"/>
+          <p:nvPr/>
+        </p:nvSpPr>
+        <p:spPr>
+          <a:xfrm>
+            <a:off x="838200" y="5294977"/>
+            <a:ext cx="10674927" cy="369332"/>
+          </a:xfrm>
+          <a:prstGeom prst="rect">
+            <a:avLst/>
+          </a:prstGeom>
+          <a:noFill/>
+        </p:spPr>
+        <p:txBody>
+          <a:bodyPr wrap="square" rtlCol="0">
+            <a:spAutoFit/>
+          </a:bodyPr>
+          <a:lstStyle/>
+          <a:p>
+            <a:r>
+              <a:rPr lang="en-US" dirty="0" smtClean="0"/>
+              <a:t>Variables are highly correlated with each other. We will have to handle this during the pre-processing step.</a:t>
+            </a:r>
+          </a:p>
+        </p:txBody>
+      </p:sp>
+      <p:pic>
+        <p:nvPicPr>
+          <p:cNvPr id="4" name="Picture 3"/>
+          <p:cNvPicPr>
+            <a:picLocks noChangeAspect="1"/>
+          </p:cNvPicPr>
+          <p:nvPr/>
+        </p:nvPicPr>
+        <p:blipFill>
+          <a:blip r:embed="rId2"/>
+          <a:stretch>
+            <a:fillRect/>
+          </a:stretch>
+        </p:blipFill>
+        <p:spPr>
+          <a:xfrm>
+            <a:off x="2921143" y="1593706"/>
+            <a:ext cx="3495675" cy="2943225"/>
+          </a:xfrm>
+          <a:prstGeom prst="rect">
+            <a:avLst/>
+          </a:prstGeom>
+        </p:spPr>
+      </p:pic>
+    </p:spTree>
+    <p:extLst>
+      <p:ext uri="{BB962C8B-B14F-4D97-AF65-F5344CB8AC3E}">
+        <p14:creationId xmlns:p14="http://schemas.microsoft.com/office/powerpoint/2010/main" val="1971201715"/>
+      </p:ext>
+    </p:extLst>
+  </p:cSld>
+  <p:clrMapOvr>
+    <a:masterClrMapping/>
+  </p:clrMapOvr>
+</p:sld>
+</file>
+
+<file path=ppt/slides/slide12.xml><?xml version="1.0" encoding="utf-8"?>
+<p:sld xmlns:a="http://schemas.openxmlformats.org/drawingml/2006/main" xmlns:r="http://schemas.openxmlformats.org/officeDocument/2006/relationships" xmlns:p="http://schemas.openxmlformats.org/presentationml/2006/main">
+  <p:cSld>
+    <p:spTree>
+      <p:nvGrpSpPr>
+        <p:cNvPr id="1" name=""/>
+        <p:cNvGrpSpPr/>
+        <p:nvPr/>
+      </p:nvGrpSpPr>
+      <p:grpSpPr>
+        <a:xfrm>
+          <a:off x="0" y="0"/>
+          <a:ext cx="0" cy="0"/>
+          <a:chOff x="0" y="0"/>
+          <a:chExt cx="0" cy="0"/>
+        </a:xfrm>
+      </p:grpSpPr>
+      <p:sp>
+        <p:nvSpPr>
+          <p:cNvPr id="2" name="Title 1"/>
+          <p:cNvSpPr>
+            <a:spLocks noGrp="1"/>
+          </p:cNvSpPr>
+          <p:nvPr>
+            <p:ph type="title"/>
+          </p:nvPr>
+        </p:nvSpPr>
+        <p:spPr/>
+        <p:txBody>
+          <a:bodyPr/>
+          <a:lstStyle/>
+          <a:p>
+            <a:r>
+              <a:rPr lang="en-US" dirty="0" smtClean="0"/>
+              <a:t>Pre processing the data - 1</a:t>
+            </a:r>
+            <a:endParaRPr lang="en-US" dirty="0"/>
+          </a:p>
+        </p:txBody>
+      </p:sp>
+      <p:sp>
+        <p:nvSpPr>
+          <p:cNvPr id="3" name="Content Placeholder 2"/>
+          <p:cNvSpPr>
+            <a:spLocks noGrp="1"/>
+          </p:cNvSpPr>
+          <p:nvPr>
+            <p:ph idx="1"/>
+          </p:nvPr>
+        </p:nvSpPr>
+        <p:spPr/>
+        <p:txBody>
+          <a:bodyPr/>
+          <a:lstStyle/>
+          <a:p>
+            <a:pPr marL="0" indent="0">
+              <a:buNone/>
+            </a:pPr>
+            <a:r>
+              <a:rPr lang="en-US" dirty="0" smtClean="0"/>
+              <a:t>Pre Processing steps include </a:t>
+            </a:r>
+          </a:p>
+          <a:p>
+            <a:pPr marL="514350" indent="-514350">
+              <a:buAutoNum type="arabicParenR"/>
+            </a:pPr>
+            <a:r>
+              <a:rPr lang="en-US" dirty="0" smtClean="0"/>
+              <a:t>PCA to reduce the number of attributes and eliminate correlated variables</a:t>
+            </a:r>
+          </a:p>
+          <a:p>
+            <a:pPr marL="514350" indent="-514350">
+              <a:buAutoNum type="arabicParenR"/>
+            </a:pPr>
+            <a:r>
+              <a:rPr lang="en-US" dirty="0" smtClean="0"/>
+              <a:t>Remove class imbalance</a:t>
+            </a:r>
+            <a:endParaRPr lang="en-US" dirty="0"/>
+          </a:p>
+        </p:txBody>
+      </p:sp>
+    </p:spTree>
+    <p:extLst>
+      <p:ext uri="{BB962C8B-B14F-4D97-AF65-F5344CB8AC3E}">
+        <p14:creationId xmlns:p14="http://schemas.microsoft.com/office/powerpoint/2010/main" val="2063740915"/>
+      </p:ext>
+    </p:extLst>
+  </p:cSld>
+  <p:clrMapOvr>
+    <a:masterClrMapping/>
+  </p:clrMapOvr>
+</p:sld>
+</file>
+
+<file path=ppt/slides/slide13.xml><?xml version="1.0" encoding="utf-8"?>
+<p:sld xmlns:a="http://schemas.openxmlformats.org/drawingml/2006/main" xmlns:r="http://schemas.openxmlformats.org/officeDocument/2006/relationships" xmlns:p="http://schemas.openxmlformats.org/presentationml/2006/main">
+  <p:cSld>
+    <p:spTree>
+      <p:nvGrpSpPr>
+        <p:cNvPr id="1" name=""/>
+        <p:cNvGrpSpPr/>
+        <p:nvPr/>
+      </p:nvGrpSpPr>
+      <p:grpSpPr>
+        <a:xfrm>
+          <a:off x="0" y="0"/>
+          <a:ext cx="0" cy="0"/>
+          <a:chOff x="0" y="0"/>
+          <a:chExt cx="0" cy="0"/>
+        </a:xfrm>
+      </p:grpSpPr>
+      <p:sp>
+        <p:nvSpPr>
+          <p:cNvPr id="2" name="Title 1"/>
+          <p:cNvSpPr>
+            <a:spLocks noGrp="1"/>
+          </p:cNvSpPr>
+          <p:nvPr>
+            <p:ph type="title"/>
+          </p:nvPr>
+        </p:nvSpPr>
+        <p:spPr/>
+        <p:txBody>
+          <a:bodyPr/>
+          <a:lstStyle/>
+          <a:p>
+            <a:r>
+              <a:rPr lang="en-US" dirty="0" smtClean="0"/>
+              <a:t>Pre processing the data – PCA </a:t>
+            </a:r>
+            <a:endParaRPr lang="en-US" dirty="0"/>
+          </a:p>
+        </p:txBody>
+      </p:sp>
+      <p:pic>
+        <p:nvPicPr>
+          <p:cNvPr id="5" name="Picture 4"/>
+          <p:cNvPicPr>
+            <a:picLocks noChangeAspect="1"/>
+          </p:cNvPicPr>
+          <p:nvPr/>
+        </p:nvPicPr>
+        <p:blipFill>
+          <a:blip r:embed="rId2"/>
+          <a:stretch>
+            <a:fillRect/>
+          </a:stretch>
+        </p:blipFill>
+        <p:spPr>
+          <a:xfrm>
+            <a:off x="657225" y="1690688"/>
+            <a:ext cx="10877550" cy="3463203"/>
+          </a:xfrm>
+          <a:prstGeom prst="rect">
+            <a:avLst/>
+          </a:prstGeom>
+        </p:spPr>
+      </p:pic>
+      <p:sp>
+        <p:nvSpPr>
+          <p:cNvPr id="7" name="TextBox 6"/>
+          <p:cNvSpPr txBox="1"/>
+          <p:nvPr/>
+        </p:nvSpPr>
+        <p:spPr>
+          <a:xfrm>
+            <a:off x="838200" y="5294977"/>
+            <a:ext cx="10674927" cy="646331"/>
+          </a:xfrm>
+          <a:prstGeom prst="rect">
+            <a:avLst/>
+          </a:prstGeom>
+          <a:noFill/>
+        </p:spPr>
+        <p:txBody>
+          <a:bodyPr wrap="square" rtlCol="0">
+            <a:spAutoFit/>
+          </a:bodyPr>
+          <a:lstStyle/>
+          <a:p>
+            <a:r>
+              <a:rPr lang="en-US" dirty="0" smtClean="0"/>
+              <a:t>The Y axis indicates the Variance. X indicates the number of components. The value tapers down at about 80 components.</a:t>
+            </a:r>
+          </a:p>
+        </p:txBody>
+      </p:sp>
+    </p:spTree>
+    <p:extLst>
+      <p:ext uri="{BB962C8B-B14F-4D97-AF65-F5344CB8AC3E}">
+        <p14:creationId xmlns:p14="http://schemas.microsoft.com/office/powerpoint/2010/main" val="1062668629"/>
+      </p:ext>
+    </p:extLst>
+  </p:cSld>
+  <p:clrMapOvr>
+    <a:masterClrMapping/>
+  </p:clrMapOvr>
+</p:sld>
+</file>
+
+<file path=ppt/slides/slide14.xml><?xml version="1.0" encoding="utf-8"?>
+<p:sld xmlns:a="http://schemas.openxmlformats.org/drawingml/2006/main" xmlns:r="http://schemas.openxmlformats.org/officeDocument/2006/relationships" xmlns:p="http://schemas.openxmlformats.org/presentationml/2006/main">
+  <p:cSld>
+    <p:spTree>
+      <p:nvGrpSpPr>
+        <p:cNvPr id="1" name=""/>
+        <p:cNvGrpSpPr/>
+        <p:nvPr/>
+      </p:nvGrpSpPr>
+      <p:grpSpPr>
+        <a:xfrm>
+          <a:off x="0" y="0"/>
+          <a:ext cx="0" cy="0"/>
+          <a:chOff x="0" y="0"/>
+          <a:chExt cx="0" cy="0"/>
+        </a:xfrm>
+      </p:grpSpPr>
+      <p:sp>
+        <p:nvSpPr>
+          <p:cNvPr id="2" name="Title 1"/>
+          <p:cNvSpPr>
+            <a:spLocks noGrp="1"/>
+          </p:cNvSpPr>
+          <p:nvPr>
+            <p:ph type="title"/>
+          </p:nvPr>
+        </p:nvSpPr>
+        <p:spPr/>
+        <p:txBody>
+          <a:bodyPr/>
+          <a:lstStyle/>
+          <a:p>
+            <a:r>
+              <a:rPr lang="en-US" dirty="0" smtClean="0"/>
+              <a:t>Plot of two components derived using PCA</a:t>
+            </a:r>
+            <a:endParaRPr lang="en-US" dirty="0"/>
+          </a:p>
+        </p:txBody>
+      </p:sp>
+      <p:sp>
+        <p:nvSpPr>
+          <p:cNvPr id="7" name="TextBox 6"/>
+          <p:cNvSpPr txBox="1"/>
+          <p:nvPr/>
+        </p:nvSpPr>
+        <p:spPr>
+          <a:xfrm>
+            <a:off x="838200" y="5294977"/>
+            <a:ext cx="10674927" cy="369332"/>
+          </a:xfrm>
+          <a:prstGeom prst="rect">
+            <a:avLst/>
+          </a:prstGeom>
+          <a:noFill/>
+        </p:spPr>
+        <p:txBody>
+          <a:bodyPr wrap="square" rtlCol="0">
+            <a:spAutoFit/>
+          </a:bodyPr>
+          <a:lstStyle/>
+          <a:p>
+            <a:r>
+              <a:rPr lang="en-US" dirty="0" smtClean="0"/>
+              <a:t>Blue does indicate non epileptic patients. Red indicates epileptic patients.  </a:t>
+            </a:r>
+          </a:p>
+        </p:txBody>
+      </p:sp>
+      <p:pic>
+        <p:nvPicPr>
+          <p:cNvPr id="3" name="Picture 2"/>
+          <p:cNvPicPr>
+            <a:picLocks noChangeAspect="1"/>
+          </p:cNvPicPr>
+          <p:nvPr/>
+        </p:nvPicPr>
+        <p:blipFill>
+          <a:blip r:embed="rId2"/>
+          <a:stretch>
+            <a:fillRect/>
+          </a:stretch>
+        </p:blipFill>
+        <p:spPr>
+          <a:xfrm>
+            <a:off x="3122034" y="1690687"/>
+            <a:ext cx="4747348" cy="3228621"/>
+          </a:xfrm>
+          <a:prstGeom prst="rect">
+            <a:avLst/>
+          </a:prstGeom>
+        </p:spPr>
+      </p:pic>
+    </p:spTree>
+    <p:extLst>
+      <p:ext uri="{BB962C8B-B14F-4D97-AF65-F5344CB8AC3E}">
+        <p14:creationId xmlns:p14="http://schemas.microsoft.com/office/powerpoint/2010/main" val="3303631425"/>
+      </p:ext>
+    </p:extLst>
+  </p:cSld>
+  <p:clrMapOvr>
+    <a:masterClrMapping/>
+  </p:clrMapOvr>
+</p:sld>
+</file>
+
+<file path=ppt/slides/slide15.xml><?xml version="1.0" encoding="utf-8"?>
+<p:sld xmlns:a="http://schemas.openxmlformats.org/drawingml/2006/main" xmlns:r="http://schemas.openxmlformats.org/officeDocument/2006/relationships" xmlns:p="http://schemas.openxmlformats.org/presentationml/2006/main">
+  <p:cSld>
+    <p:spTree>
+      <p:nvGrpSpPr>
+        <p:cNvPr id="1" name=""/>
+        <p:cNvGrpSpPr/>
+        <p:nvPr/>
+      </p:nvGrpSpPr>
+      <p:grpSpPr>
+        <a:xfrm>
+          <a:off x="0" y="0"/>
+          <a:ext cx="0" cy="0"/>
+          <a:chOff x="0" y="0"/>
+          <a:chExt cx="0" cy="0"/>
+        </a:xfrm>
+      </p:grpSpPr>
+      <p:sp>
+        <p:nvSpPr>
+          <p:cNvPr id="2" name="Title 1"/>
+          <p:cNvSpPr>
+            <a:spLocks noGrp="1"/>
+          </p:cNvSpPr>
+          <p:nvPr>
+            <p:ph type="title"/>
+          </p:nvPr>
+        </p:nvSpPr>
+        <p:spPr/>
+        <p:txBody>
+          <a:bodyPr/>
+          <a:lstStyle/>
+          <a:p>
+            <a:r>
+              <a:rPr lang="en-US" dirty="0" smtClean="0"/>
+              <a:t>Classification Algorithms Logistic Regression </a:t>
+            </a:r>
+            <a:endParaRPr lang="en-US" dirty="0"/>
+          </a:p>
+        </p:txBody>
+      </p:sp>
+      <p:sp>
+        <p:nvSpPr>
+          <p:cNvPr id="5" name="TextBox 4"/>
+          <p:cNvSpPr txBox="1"/>
+          <p:nvPr/>
+        </p:nvSpPr>
+        <p:spPr>
+          <a:xfrm>
+            <a:off x="838200" y="5294977"/>
+            <a:ext cx="10674927" cy="646331"/>
+          </a:xfrm>
+          <a:prstGeom prst="rect">
+            <a:avLst/>
+          </a:prstGeom>
+          <a:noFill/>
+        </p:spPr>
+        <p:txBody>
+          <a:bodyPr wrap="square" rtlCol="0">
+            <a:spAutoFit/>
+          </a:bodyPr>
+          <a:lstStyle/>
+          <a:p>
+            <a:r>
+              <a:rPr lang="en-US" dirty="0" smtClean="0"/>
+              <a:t>ROC Curve using Logistic regression without any preprocessing step. The AUC value is 0.51</a:t>
+            </a:r>
+          </a:p>
+          <a:p>
+            <a:r>
+              <a:rPr lang="en-US" dirty="0" smtClean="0"/>
+              <a:t>ROC Curve using Logistic regression  with preprocessing step. The AUC value is 0.53</a:t>
+            </a:r>
+          </a:p>
+        </p:txBody>
+      </p:sp>
+      <p:pic>
+        <p:nvPicPr>
+          <p:cNvPr id="8" name="Picture 7"/>
+          <p:cNvPicPr>
+            <a:picLocks noChangeAspect="1"/>
+          </p:cNvPicPr>
+          <p:nvPr/>
+        </p:nvPicPr>
+        <p:blipFill>
+          <a:blip r:embed="rId2"/>
+          <a:stretch>
+            <a:fillRect/>
+          </a:stretch>
+        </p:blipFill>
+        <p:spPr>
+          <a:xfrm>
+            <a:off x="745331" y="1685926"/>
+            <a:ext cx="3979069" cy="3000375"/>
+          </a:xfrm>
+          <a:prstGeom prst="rect">
+            <a:avLst/>
+          </a:prstGeom>
+        </p:spPr>
+      </p:pic>
+      <p:pic>
+        <p:nvPicPr>
+          <p:cNvPr id="9" name="Picture 8"/>
+          <p:cNvPicPr>
+            <a:picLocks noChangeAspect="1"/>
+          </p:cNvPicPr>
+          <p:nvPr/>
+        </p:nvPicPr>
+        <p:blipFill>
+          <a:blip r:embed="rId3"/>
+          <a:stretch>
+            <a:fillRect/>
+          </a:stretch>
+        </p:blipFill>
+        <p:spPr>
+          <a:xfrm>
+            <a:off x="6238009" y="1695451"/>
+            <a:ext cx="3602182" cy="2990850"/>
+          </a:xfrm>
+          <a:prstGeom prst="rect">
+            <a:avLst/>
+          </a:prstGeom>
+        </p:spPr>
+      </p:pic>
+    </p:spTree>
+    <p:extLst>
+      <p:ext uri="{BB962C8B-B14F-4D97-AF65-F5344CB8AC3E}">
+        <p14:creationId xmlns:p14="http://schemas.microsoft.com/office/powerpoint/2010/main" val="2098386139"/>
+      </p:ext>
+    </p:extLst>
+  </p:cSld>
+  <p:clrMapOvr>
+    <a:masterClrMapping/>
+  </p:clrMapOvr>
+</p:sld>
+</file>
+
+<file path=ppt/slides/slide16.xml><?xml version="1.0" encoding="utf-8"?>
+<p:sld xmlns:a="http://schemas.openxmlformats.org/drawingml/2006/main" xmlns:r="http://schemas.openxmlformats.org/officeDocument/2006/relationships" xmlns:p="http://schemas.openxmlformats.org/presentationml/2006/main">
+  <p:cSld>
+    <p:spTree>
+      <p:nvGrpSpPr>
+        <p:cNvPr id="1" name=""/>
+        <p:cNvGrpSpPr/>
+        <p:nvPr/>
+      </p:nvGrpSpPr>
+      <p:grpSpPr>
+        <a:xfrm>
+          <a:off x="0" y="0"/>
+          <a:ext cx="0" cy="0"/>
+          <a:chOff x="0" y="0"/>
+          <a:chExt cx="0" cy="0"/>
+        </a:xfrm>
+      </p:grpSpPr>
+      <p:sp>
+        <p:nvSpPr>
+          <p:cNvPr id="2" name="Title 1"/>
+          <p:cNvSpPr>
+            <a:spLocks noGrp="1"/>
+          </p:cNvSpPr>
+          <p:nvPr>
+            <p:ph type="title"/>
+          </p:nvPr>
+        </p:nvSpPr>
+        <p:spPr/>
+        <p:txBody>
+          <a:bodyPr/>
+          <a:lstStyle/>
+          <a:p>
+            <a:r>
+              <a:rPr lang="en-US" dirty="0" smtClean="0"/>
+              <a:t>Classification Algorithms Random Forest</a:t>
+            </a:r>
+            <a:endParaRPr lang="en-US" dirty="0"/>
+          </a:p>
+        </p:txBody>
+      </p:sp>
+      <p:sp>
+        <p:nvSpPr>
+          <p:cNvPr id="5" name="TextBox 4"/>
+          <p:cNvSpPr txBox="1"/>
+          <p:nvPr/>
+        </p:nvSpPr>
+        <p:spPr>
+          <a:xfrm>
+            <a:off x="838200" y="5294977"/>
+            <a:ext cx="10674927" cy="646331"/>
+          </a:xfrm>
+          <a:prstGeom prst="rect">
+            <a:avLst/>
+          </a:prstGeom>
+          <a:noFill/>
+        </p:spPr>
+        <p:txBody>
+          <a:bodyPr wrap="square" rtlCol="0">
+            <a:spAutoFit/>
+          </a:bodyPr>
+          <a:lstStyle/>
+          <a:p>
+            <a:r>
+              <a:rPr lang="en-US" dirty="0" smtClean="0"/>
+              <a:t>ROC Curve using Random forest before and after Pre-Processing and after . There is an increase in the AUC value from 0991 to 0.998</a:t>
+            </a:r>
+          </a:p>
+        </p:txBody>
+      </p:sp>
+      <p:pic>
+        <p:nvPicPr>
+          <p:cNvPr id="4" name="Picture 3"/>
+          <p:cNvPicPr>
+            <a:picLocks noChangeAspect="1"/>
+          </p:cNvPicPr>
+          <p:nvPr/>
+        </p:nvPicPr>
+        <p:blipFill>
+          <a:blip r:embed="rId2"/>
+          <a:stretch>
+            <a:fillRect/>
+          </a:stretch>
+        </p:blipFill>
+        <p:spPr>
+          <a:xfrm>
+            <a:off x="6598227" y="1595869"/>
+            <a:ext cx="4914900" cy="3333750"/>
+          </a:xfrm>
+          <a:prstGeom prst="rect">
+            <a:avLst/>
+          </a:prstGeom>
+        </p:spPr>
+      </p:pic>
+      <p:pic>
+        <p:nvPicPr>
+          <p:cNvPr id="7" name="Picture 6"/>
+          <p:cNvPicPr>
+            <a:picLocks noChangeAspect="1"/>
+          </p:cNvPicPr>
+          <p:nvPr/>
+        </p:nvPicPr>
+        <p:blipFill>
+          <a:blip r:embed="rId3"/>
+          <a:stretch>
+            <a:fillRect/>
+          </a:stretch>
+        </p:blipFill>
+        <p:spPr>
+          <a:xfrm>
+            <a:off x="838200" y="1553007"/>
+            <a:ext cx="5372100" cy="3419475"/>
+          </a:xfrm>
+          <a:prstGeom prst="rect">
+            <a:avLst/>
+          </a:prstGeom>
+        </p:spPr>
+      </p:pic>
+    </p:spTree>
+    <p:extLst>
+      <p:ext uri="{BB962C8B-B14F-4D97-AF65-F5344CB8AC3E}">
+        <p14:creationId xmlns:p14="http://schemas.microsoft.com/office/powerpoint/2010/main" val="1382092337"/>
+      </p:ext>
+    </p:extLst>
+  </p:cSld>
+  <p:clrMapOvr>
+    <a:masterClrMapping/>
+  </p:clrMapOvr>
+</p:sld>
+</file>
+
+<file path=ppt/slides/slide17.xml><?xml version="1.0" encoding="utf-8"?>
+<p:sld xmlns:a="http://schemas.openxmlformats.org/drawingml/2006/main" xmlns:r="http://schemas.openxmlformats.org/officeDocument/2006/relationships" xmlns:p="http://schemas.openxmlformats.org/presentationml/2006/main">
+  <p:cSld>
+    <p:spTree>
+      <p:nvGrpSpPr>
+        <p:cNvPr id="1" name=""/>
+        <p:cNvGrpSpPr/>
+        <p:nvPr/>
+      </p:nvGrpSpPr>
+      <p:grpSpPr>
+        <a:xfrm>
+          <a:off x="0" y="0"/>
+          <a:ext cx="0" cy="0"/>
+          <a:chOff x="0" y="0"/>
+          <a:chExt cx="0" cy="0"/>
+        </a:xfrm>
+      </p:grpSpPr>
+      <p:sp>
+        <p:nvSpPr>
+          <p:cNvPr id="2" name="Title 1"/>
+          <p:cNvSpPr>
+            <a:spLocks noGrp="1"/>
+          </p:cNvSpPr>
+          <p:nvPr>
+            <p:ph type="title"/>
+          </p:nvPr>
+        </p:nvSpPr>
+        <p:spPr/>
+        <p:txBody>
+          <a:bodyPr/>
+          <a:lstStyle/>
+          <a:p>
+            <a:r>
+              <a:rPr lang="en-US" dirty="0"/>
+              <a:t>Classification Algorithms Random Forest</a:t>
+            </a:r>
+          </a:p>
+        </p:txBody>
+      </p:sp>
+      <p:pic>
+        <p:nvPicPr>
+          <p:cNvPr id="4" name="Picture 3"/>
+          <p:cNvPicPr>
+            <a:picLocks noChangeAspect="1"/>
+          </p:cNvPicPr>
+          <p:nvPr/>
+        </p:nvPicPr>
+        <p:blipFill>
+          <a:blip r:embed="rId2"/>
+          <a:stretch>
+            <a:fillRect/>
+          </a:stretch>
+        </p:blipFill>
+        <p:spPr>
+          <a:xfrm>
+            <a:off x="6296026" y="1837459"/>
+            <a:ext cx="5577320" cy="3467100"/>
+          </a:xfrm>
+          <a:prstGeom prst="rect">
+            <a:avLst/>
+          </a:prstGeom>
+        </p:spPr>
+      </p:pic>
+      <p:pic>
+        <p:nvPicPr>
+          <p:cNvPr id="5" name="Picture 4"/>
+          <p:cNvPicPr>
+            <a:picLocks noChangeAspect="1"/>
+          </p:cNvPicPr>
+          <p:nvPr/>
+        </p:nvPicPr>
+        <p:blipFill>
+          <a:blip r:embed="rId3"/>
+          <a:stretch>
+            <a:fillRect/>
+          </a:stretch>
+        </p:blipFill>
+        <p:spPr>
+          <a:xfrm>
+            <a:off x="655927" y="1837459"/>
+            <a:ext cx="5384656" cy="3505200"/>
+          </a:xfrm>
+          <a:prstGeom prst="rect">
+            <a:avLst/>
+          </a:prstGeom>
+        </p:spPr>
+      </p:pic>
+      <p:sp>
+        <p:nvSpPr>
+          <p:cNvPr id="6" name="TextBox 5"/>
+          <p:cNvSpPr txBox="1"/>
+          <p:nvPr/>
+        </p:nvSpPr>
+        <p:spPr>
+          <a:xfrm>
+            <a:off x="838200" y="5451330"/>
+            <a:ext cx="10674927" cy="646331"/>
+          </a:xfrm>
+          <a:prstGeom prst="rect">
+            <a:avLst/>
+          </a:prstGeom>
+          <a:noFill/>
+        </p:spPr>
+        <p:txBody>
+          <a:bodyPr wrap="square" rtlCol="0">
+            <a:spAutoFit/>
+          </a:bodyPr>
+          <a:lstStyle/>
+          <a:p>
+            <a:r>
+              <a:rPr lang="en-US" dirty="0" smtClean="0"/>
+              <a:t>Accuracy, Precision , Recall before and after pre-processing. There is a improvement in the values post processing.</a:t>
+            </a:r>
+          </a:p>
+        </p:txBody>
+      </p:sp>
+    </p:spTree>
+    <p:extLst>
+      <p:ext uri="{BB962C8B-B14F-4D97-AF65-F5344CB8AC3E}">
+        <p14:creationId xmlns:p14="http://schemas.microsoft.com/office/powerpoint/2010/main" val="3336239323"/>
+      </p:ext>
+    </p:extLst>
+  </p:cSld>
+  <p:clrMapOvr>
+    <a:masterClrMapping/>
+  </p:clrMapOvr>
+</p:sld>
+</file>
+
+<file path=ppt/slides/slide18.xml><?xml version="1.0" encoding="utf-8"?>
+<p:sld xmlns:a="http://schemas.openxmlformats.org/drawingml/2006/main" xmlns:r="http://schemas.openxmlformats.org/officeDocument/2006/relationships" xmlns:p="http://schemas.openxmlformats.org/presentationml/2006/main">
+  <p:cSld>
+    <p:spTree>
+      <p:nvGrpSpPr>
+        <p:cNvPr id="1" name=""/>
+        <p:cNvGrpSpPr/>
+        <p:nvPr/>
+      </p:nvGrpSpPr>
+      <p:grpSpPr>
+        <a:xfrm>
+          <a:off x="0" y="0"/>
+          <a:ext cx="0" cy="0"/>
+          <a:chOff x="0" y="0"/>
+          <a:chExt cx="0" cy="0"/>
+        </a:xfrm>
+      </p:grpSpPr>
+      <p:sp>
+        <p:nvSpPr>
+          <p:cNvPr id="2" name="Title 1"/>
+          <p:cNvSpPr>
+            <a:spLocks noGrp="1"/>
+          </p:cNvSpPr>
+          <p:nvPr>
+            <p:ph type="title"/>
+          </p:nvPr>
+        </p:nvSpPr>
+        <p:spPr/>
+        <p:txBody>
+          <a:bodyPr/>
+          <a:lstStyle/>
+          <a:p>
+            <a:r>
+              <a:rPr lang="en-US" dirty="0" smtClean="0"/>
+              <a:t>Conclusion	</a:t>
+            </a:r>
+            <a:endParaRPr lang="en-US" dirty="0"/>
+          </a:p>
+        </p:txBody>
+      </p:sp>
+      <p:sp>
+        <p:nvSpPr>
+          <p:cNvPr id="3" name="Content Placeholder 2"/>
+          <p:cNvSpPr>
+            <a:spLocks noGrp="1"/>
+          </p:cNvSpPr>
+          <p:nvPr>
+            <p:ph idx="1"/>
+          </p:nvPr>
+        </p:nvSpPr>
+        <p:spPr/>
+        <p:txBody>
+          <a:bodyPr/>
+          <a:lstStyle/>
+          <a:p>
+            <a:r>
+              <a:rPr lang="en-US" dirty="0" smtClean="0"/>
+              <a:t>Random forest model was a far better predictor than the Logistic regression classifier.</a:t>
+            </a:r>
+          </a:p>
+          <a:p>
+            <a:r>
+              <a:rPr lang="en-US" dirty="0" smtClean="0"/>
+              <a:t>The is due to the fact that there is no clear boundary separating the classes (Slide </a:t>
+            </a:r>
+            <a:r>
+              <a:rPr lang="en-US" dirty="0" smtClean="0"/>
+              <a:t>14).</a:t>
+            </a:r>
+            <a:endParaRPr lang="en-US" dirty="0" smtClean="0"/>
+          </a:p>
+          <a:p>
+            <a:r>
+              <a:rPr lang="en-US" dirty="0"/>
+              <a:t> </a:t>
+            </a:r>
+            <a:r>
+              <a:rPr lang="en-US" dirty="0" smtClean="0"/>
+              <a:t>Normalization of the data was not needed since the attributes were distributed in a similar manner (Slide </a:t>
+            </a:r>
+            <a:r>
+              <a:rPr lang="en-US" dirty="0" smtClean="0"/>
+              <a:t>6).</a:t>
+            </a:r>
+            <a:endParaRPr lang="en-US" dirty="0" smtClean="0"/>
+          </a:p>
+          <a:p>
+            <a:r>
+              <a:rPr lang="en-US" dirty="0" smtClean="0"/>
+              <a:t>Reducing the number of attributes using PCA and Oversampling the classes which were uneven helped in increasing the accuracy metric.</a:t>
+            </a:r>
+          </a:p>
+          <a:p>
+            <a:pPr marL="0" indent="0">
+              <a:buNone/>
+            </a:pPr>
+            <a:endParaRPr lang="en-US" dirty="0"/>
+          </a:p>
+        </p:txBody>
+      </p:sp>
+    </p:spTree>
+    <p:extLst>
+      <p:ext uri="{BB962C8B-B14F-4D97-AF65-F5344CB8AC3E}">
+        <p14:creationId xmlns:p14="http://schemas.microsoft.com/office/powerpoint/2010/main" val="3079941910"/>
+      </p:ext>
+    </p:extLst>
+  </p:cSld>
+  <p:clrMapOvr>
+    <a:masterClrMapping/>
+  </p:clrMapOvr>
+</p:sld>
+</file>
+
+<file path=ppt/slides/slide19.xml><?xml version="1.0" encoding="utf-8"?>
+<p:sld xmlns:a="http://schemas.openxmlformats.org/drawingml/2006/main" xmlns:r="http://schemas.openxmlformats.org/officeDocument/2006/relationships" xmlns:p="http://schemas.openxmlformats.org/presentationml/2006/main">
+  <p:cSld>
+    <p:spTree>
+      <p:nvGrpSpPr>
+        <p:cNvPr id="1" name=""/>
+        <p:cNvGrpSpPr/>
+        <p:nvPr/>
+      </p:nvGrpSpPr>
+      <p:grpSpPr>
+        <a:xfrm>
+          <a:off x="0" y="0"/>
+          <a:ext cx="0" cy="0"/>
+          <a:chOff x="0" y="0"/>
+          <a:chExt cx="0" cy="0"/>
+        </a:xfrm>
+      </p:grpSpPr>
+      <p:sp>
+        <p:nvSpPr>
+          <p:cNvPr id="2" name="Title 1"/>
+          <p:cNvSpPr>
+            <a:spLocks noGrp="1"/>
+          </p:cNvSpPr>
+          <p:nvPr>
+            <p:ph type="title"/>
+          </p:nvPr>
+        </p:nvSpPr>
+        <p:spPr/>
+        <p:txBody>
+          <a:bodyPr/>
+          <a:lstStyle/>
+          <a:p>
+            <a:r>
+              <a:rPr lang="en-US" dirty="0" smtClean="0"/>
+              <a:t>Create a </a:t>
+            </a:r>
+            <a:r>
+              <a:rPr lang="en-US" dirty="0" err="1" smtClean="0"/>
+              <a:t>webservice</a:t>
+            </a:r>
+            <a:endParaRPr lang="en-US" dirty="0"/>
+          </a:p>
+        </p:txBody>
+      </p:sp>
+      <p:sp>
+        <p:nvSpPr>
+          <p:cNvPr id="3" name="Content Placeholder 2"/>
+          <p:cNvSpPr>
+            <a:spLocks noGrp="1"/>
+          </p:cNvSpPr>
+          <p:nvPr>
+            <p:ph idx="1"/>
+          </p:nvPr>
+        </p:nvSpPr>
+        <p:spPr/>
+        <p:txBody>
+          <a:bodyPr/>
+          <a:lstStyle/>
+          <a:p>
+            <a:r>
+              <a:rPr lang="en-US" dirty="0" smtClean="0"/>
+              <a:t>The Model was exported using pickle.</a:t>
+            </a:r>
+          </a:p>
+          <a:p>
+            <a:r>
+              <a:rPr lang="en-US" dirty="0" smtClean="0"/>
+              <a:t>Using Python Flask module and </a:t>
+            </a:r>
+            <a:r>
+              <a:rPr lang="en-US" dirty="0" err="1" smtClean="0"/>
+              <a:t>gunicorn</a:t>
+            </a:r>
+            <a:r>
+              <a:rPr lang="en-US" dirty="0" smtClean="0"/>
+              <a:t> http webserver the model was exposed through a </a:t>
+            </a:r>
+            <a:r>
+              <a:rPr lang="en-US" dirty="0" err="1" smtClean="0"/>
+              <a:t>webservice</a:t>
+            </a:r>
+            <a:r>
+              <a:rPr lang="en-US" dirty="0" smtClean="0"/>
+              <a:t>.</a:t>
+            </a:r>
+          </a:p>
+          <a:p>
+            <a:r>
+              <a:rPr lang="en-US" dirty="0" smtClean="0"/>
+              <a:t>A web page to input the values was created.</a:t>
+            </a:r>
+            <a:endParaRPr lang="en-US" dirty="0"/>
+          </a:p>
+        </p:txBody>
+      </p:sp>
+    </p:spTree>
+    <p:extLst>
+      <p:ext uri="{BB962C8B-B14F-4D97-AF65-F5344CB8AC3E}">
+        <p14:creationId xmlns:p14="http://schemas.microsoft.com/office/powerpoint/2010/main" val="3698872897"/>
+      </p:ext>
+    </p:extLst>
+  </p:cSld>
+  <p:clrMapOvr>
+    <a:masterClrMapping/>
+  </p:clrMapOvr>
+</p:sld>
+</file>
+
+<file path=ppt/slides/slide2.xml><?xml version="1.0" encoding="utf-8"?>
+<p:sld xmlns:a="http://schemas.openxmlformats.org/drawingml/2006/main" xmlns:r="http://schemas.openxmlformats.org/officeDocument/2006/relationships" xmlns:p="http://schemas.openxmlformats.org/presentationml/2006/main">
+  <p:cSld>
+    <p:spTree>
+      <p:nvGrpSpPr>
+        <p:cNvPr id="1" name=""/>
+        <p:cNvGrpSpPr/>
+        <p:nvPr/>
+      </p:nvGrpSpPr>
+      <p:grpSpPr>
+        <a:xfrm>
+          <a:off x="0" y="0"/>
+          <a:ext cx="0" cy="0"/>
+          <a:chOff x="0" y="0"/>
+          <a:chExt cx="0" cy="0"/>
+        </a:xfrm>
+      </p:grpSpPr>
+      <p:sp>
+        <p:nvSpPr>
+          <p:cNvPr id="2" name="Title 1"/>
+          <p:cNvSpPr>
+            <a:spLocks noGrp="1"/>
+          </p:cNvSpPr>
+          <p:nvPr>
+            <p:ph type="title"/>
+          </p:nvPr>
+        </p:nvSpPr>
+        <p:spPr/>
+        <p:txBody>
+          <a:bodyPr/>
+          <a:lstStyle/>
+          <a:p>
+            <a:r>
+              <a:rPr lang="en-US" dirty="0" smtClean="0"/>
+              <a:t>Dataset</a:t>
+            </a:r>
+            <a:endParaRPr lang="en-US" dirty="0"/>
+          </a:p>
+        </p:txBody>
+      </p:sp>
+      <p:sp>
+        <p:nvSpPr>
+          <p:cNvPr id="3" name="Content Placeholder 2"/>
+          <p:cNvSpPr>
+            <a:spLocks noGrp="1"/>
+          </p:cNvSpPr>
+          <p:nvPr>
+            <p:ph idx="1"/>
+          </p:nvPr>
+        </p:nvSpPr>
+        <p:spPr/>
+        <p:txBody>
+          <a:bodyPr/>
+          <a:lstStyle/>
+          <a:p>
+            <a:r>
+              <a:rPr lang="en-US" dirty="0" smtClean="0"/>
+              <a:t>The Dataset captures reading from EEG machine for 500 patients.</a:t>
+            </a:r>
+          </a:p>
+          <a:p>
+            <a:r>
+              <a:rPr lang="en-US" dirty="0" smtClean="0"/>
+              <a:t>Each row in the dataset contains 178 attributes /independent variable.</a:t>
+            </a:r>
+          </a:p>
+          <a:p>
+            <a:r>
+              <a:rPr lang="en-US" dirty="0" smtClean="0"/>
+              <a:t>Each attribute  contains reading from the EEG data at specific time interval.</a:t>
+            </a:r>
+          </a:p>
+          <a:p>
+            <a:r>
+              <a:rPr lang="en-US" dirty="0" smtClean="0"/>
+              <a:t>Each row contains a response variable.</a:t>
+            </a:r>
+          </a:p>
+          <a:p>
+            <a:r>
+              <a:rPr lang="en-US" dirty="0" smtClean="0"/>
+              <a:t>The dataset can be found at </a:t>
+            </a:r>
+            <a:r>
+              <a:rPr lang="en-US" u="sng" dirty="0" smtClean="0">
+                <a:hlinkClick r:id="rId2"/>
+              </a:rPr>
+              <a:t>here</a:t>
+            </a:r>
+            <a:endParaRPr lang="en-US" u="sng" dirty="0" smtClean="0"/>
+          </a:p>
+          <a:p>
+            <a:r>
+              <a:rPr lang="en-US" dirty="0" smtClean="0"/>
+              <a:t>Prediction on the dataset can be treated as a classification </a:t>
+            </a:r>
+          </a:p>
+          <a:p>
+            <a:endParaRPr lang="en-US" dirty="0"/>
+          </a:p>
+        </p:txBody>
+      </p:sp>
+    </p:spTree>
+    <p:extLst>
+      <p:ext uri="{BB962C8B-B14F-4D97-AF65-F5344CB8AC3E}">
+        <p14:creationId xmlns:p14="http://schemas.microsoft.com/office/powerpoint/2010/main" val="407100261"/>
+      </p:ext>
+    </p:extLst>
+  </p:cSld>
+  <p:clrMapOvr>
+    <a:masterClrMapping/>
+  </p:clrMapOvr>
+</p:sld>
+</file>
+
+<file path=ppt/slides/slide20.xml><?xml version="1.0" encoding="utf-8"?>
+<p:sld xmlns:a="http://schemas.openxmlformats.org/drawingml/2006/main" xmlns:r="http://schemas.openxmlformats.org/officeDocument/2006/relationships" xmlns:p="http://schemas.openxmlformats.org/presentationml/2006/main">
+  <p:cSld>
+    <p:spTree>
+      <p:nvGrpSpPr>
+        <p:cNvPr id="1" name=""/>
+        <p:cNvGrpSpPr/>
+        <p:nvPr/>
+      </p:nvGrpSpPr>
+      <p:grpSpPr>
+        <a:xfrm>
+          <a:off x="0" y="0"/>
+          <a:ext cx="0" cy="0"/>
+          <a:chOff x="0" y="0"/>
+          <a:chExt cx="0" cy="0"/>
+        </a:xfrm>
+      </p:grpSpPr>
+      <p:sp>
+        <p:nvSpPr>
+          <p:cNvPr id="2" name="Title 1"/>
+          <p:cNvSpPr>
+            <a:spLocks noGrp="1"/>
+          </p:cNvSpPr>
+          <p:nvPr>
+            <p:ph type="title"/>
+          </p:nvPr>
+        </p:nvSpPr>
+        <p:spPr/>
+        <p:txBody>
+          <a:bodyPr/>
+          <a:lstStyle/>
+          <a:p>
+            <a:r>
+              <a:rPr lang="en-US" dirty="0" smtClean="0"/>
+              <a:t>Web interface to call the model </a:t>
+            </a:r>
+            <a:endParaRPr lang="en-US" dirty="0"/>
+          </a:p>
+        </p:txBody>
+      </p:sp>
+      <p:pic>
+        <p:nvPicPr>
+          <p:cNvPr id="4" name="Content Placeholder 3"/>
+          <p:cNvPicPr>
+            <a:picLocks noGrp="1" noChangeAspect="1"/>
+          </p:cNvPicPr>
+          <p:nvPr>
+            <p:ph idx="1"/>
+          </p:nvPr>
+        </p:nvPicPr>
+        <p:blipFill>
+          <a:blip r:embed="rId2"/>
+          <a:stretch>
+            <a:fillRect/>
+          </a:stretch>
+        </p:blipFill>
+        <p:spPr>
+          <a:xfrm>
+            <a:off x="1131310" y="1933503"/>
+            <a:ext cx="8848725" cy="3581400"/>
+          </a:xfrm>
+          <a:prstGeom prst="rect">
+            <a:avLst/>
+          </a:prstGeom>
+        </p:spPr>
+      </p:pic>
+    </p:spTree>
+    <p:extLst>
+      <p:ext uri="{BB962C8B-B14F-4D97-AF65-F5344CB8AC3E}">
+        <p14:creationId xmlns:p14="http://schemas.microsoft.com/office/powerpoint/2010/main" val="101337709"/>
+      </p:ext>
+    </p:extLst>
+  </p:cSld>
+  <p:clrMapOvr>
+    <a:masterClrMapping/>
+  </p:clrMapOvr>
+</p:sld>
+</file>
+
+<file path=ppt/slides/slide21.xml><?xml version="1.0" encoding="utf-8"?>
+<p:sld xmlns:a="http://schemas.openxmlformats.org/drawingml/2006/main" xmlns:r="http://schemas.openxmlformats.org/officeDocument/2006/relationships" xmlns:p="http://schemas.openxmlformats.org/presentationml/2006/main">
+  <p:cSld>
+    <p:spTree>
+      <p:nvGrpSpPr>
+        <p:cNvPr id="1" name=""/>
+        <p:cNvGrpSpPr/>
+        <p:nvPr/>
+      </p:nvGrpSpPr>
+      <p:grpSpPr>
+        <a:xfrm>
+          <a:off x="0" y="0"/>
+          <a:ext cx="0" cy="0"/>
+          <a:chOff x="0" y="0"/>
+          <a:chExt cx="0" cy="0"/>
+        </a:xfrm>
+      </p:grpSpPr>
+      <p:sp>
+        <p:nvSpPr>
+          <p:cNvPr id="2" name="Title 1"/>
+          <p:cNvSpPr>
+            <a:spLocks noGrp="1"/>
+          </p:cNvSpPr>
+          <p:nvPr>
+            <p:ph type="title"/>
+          </p:nvPr>
+        </p:nvSpPr>
+        <p:spPr/>
+        <p:txBody>
+          <a:bodyPr/>
+          <a:lstStyle/>
+          <a:p>
+            <a:r>
+              <a:rPr lang="en-US" dirty="0" smtClean="0"/>
+              <a:t>Credits</a:t>
+            </a:r>
+            <a:endParaRPr lang="en-US" dirty="0"/>
+          </a:p>
+        </p:txBody>
+      </p:sp>
+      <p:sp>
+        <p:nvSpPr>
+          <p:cNvPr id="3" name="Content Placeholder 2"/>
+          <p:cNvSpPr>
+            <a:spLocks noGrp="1"/>
+          </p:cNvSpPr>
+          <p:nvPr>
+            <p:ph idx="1"/>
+          </p:nvPr>
+        </p:nvSpPr>
+        <p:spPr/>
+        <p:txBody>
+          <a:bodyPr/>
+          <a:lstStyle/>
+          <a:p>
+            <a:r>
+              <a:rPr lang="en-US" dirty="0" smtClean="0"/>
+              <a:t>Many thanks to my mentor </a:t>
+            </a:r>
+            <a:r>
+              <a:rPr lang="en-US" dirty="0" smtClean="0">
+                <a:hlinkClick r:id="rId2"/>
+              </a:rPr>
+              <a:t>Amir </a:t>
+            </a:r>
+            <a:r>
+              <a:rPr lang="en-US" dirty="0" err="1" smtClean="0">
+                <a:hlinkClick r:id="rId2"/>
+              </a:rPr>
+              <a:t>Ziai</a:t>
+            </a:r>
+            <a:r>
+              <a:rPr lang="en-US" dirty="0" smtClean="0">
+                <a:hlinkClick r:id="rId2"/>
+              </a:rPr>
+              <a:t> </a:t>
+            </a:r>
+            <a:endParaRPr lang="en-US" dirty="0" smtClean="0"/>
+          </a:p>
+          <a:p>
+            <a:r>
+              <a:rPr lang="en-US" dirty="0" smtClean="0"/>
+              <a:t>Thanks to </a:t>
+            </a:r>
+            <a:r>
+              <a:rPr lang="en-US" dirty="0" smtClean="0">
+                <a:hlinkClick r:id="rId3"/>
+              </a:rPr>
+              <a:t>UCI </a:t>
+            </a:r>
+            <a:r>
+              <a:rPr lang="en-US" dirty="0" smtClean="0"/>
+              <a:t>for hosting the Dataset</a:t>
+            </a:r>
+          </a:p>
+          <a:p>
+            <a:r>
+              <a:rPr lang="en-US" dirty="0" smtClean="0"/>
+              <a:t>Thanks to the authors of </a:t>
+            </a:r>
+            <a:r>
+              <a:rPr lang="en-US" dirty="0"/>
+              <a:t>the Dataset (</a:t>
+            </a:r>
+            <a:r>
+              <a:rPr lang="en-US" dirty="0" err="1"/>
+              <a:t>Andrzejak</a:t>
+            </a:r>
+            <a:r>
+              <a:rPr lang="en-US" dirty="0"/>
+              <a:t> RG, </a:t>
+            </a:r>
+            <a:r>
+              <a:rPr lang="en-US" dirty="0" err="1"/>
+              <a:t>Lehnertz</a:t>
+            </a:r>
+            <a:r>
+              <a:rPr lang="en-US" dirty="0"/>
+              <a:t> K, </a:t>
+            </a:r>
+            <a:r>
+              <a:rPr lang="en-US" dirty="0" err="1"/>
+              <a:t>Rieke</a:t>
+            </a:r>
+            <a:r>
+              <a:rPr lang="en-US" dirty="0"/>
+              <a:t> C, </a:t>
+            </a:r>
+            <a:r>
+              <a:rPr lang="en-US" dirty="0" err="1"/>
+              <a:t>Mormann</a:t>
+            </a:r>
+            <a:r>
+              <a:rPr lang="en-US" dirty="0"/>
+              <a:t> F, David P, </a:t>
+            </a:r>
+            <a:r>
+              <a:rPr lang="en-US" dirty="0" err="1"/>
+              <a:t>Elger</a:t>
+            </a:r>
+            <a:r>
+              <a:rPr lang="en-US" dirty="0"/>
+              <a:t> CE (2001) Indications of nonlinear deterministic and finite dimensional structures in time series of brain electrical activity: Dependence on recording region and brain state, Phys. Rev. E, 64, </a:t>
+            </a:r>
+            <a:r>
+              <a:rPr lang="en-US" dirty="0" smtClean="0"/>
+              <a:t>061907)</a:t>
+            </a:r>
+            <a:endParaRPr lang="en-US" dirty="0"/>
+          </a:p>
+          <a:p>
+            <a:endParaRPr lang="en-US" dirty="0" smtClean="0"/>
+          </a:p>
+          <a:p>
+            <a:pPr marL="0" indent="0">
+              <a:buNone/>
+            </a:pPr>
+            <a:endParaRPr lang="en-US" dirty="0"/>
+          </a:p>
+        </p:txBody>
+      </p:sp>
+    </p:spTree>
+    <p:extLst>
+      <p:ext uri="{BB962C8B-B14F-4D97-AF65-F5344CB8AC3E}">
+        <p14:creationId xmlns:p14="http://schemas.microsoft.com/office/powerpoint/2010/main" val="2672257808"/>
+      </p:ext>
+    </p:extLst>
+  </p:cSld>
+  <p:clrMapOvr>
+    <a:masterClrMapping/>
+  </p:clrMapOvr>
+</p:sld>
+</file>
+
+<file path=ppt/slides/slide3.xml><?xml version="1.0" encoding="utf-8"?>
+<p:sld xmlns:a="http://schemas.openxmlformats.org/drawingml/2006/main" xmlns:r="http://schemas.openxmlformats.org/officeDocument/2006/relationships" xmlns:p="http://schemas.openxmlformats.org/presentationml/2006/main">
+  <p:cSld>
+    <p:spTree>
+      <p:nvGrpSpPr>
+        <p:cNvPr id="1" name=""/>
+        <p:cNvGrpSpPr/>
+        <p:nvPr/>
+      </p:nvGrpSpPr>
+      <p:grpSpPr>
+        <a:xfrm>
+          <a:off x="0" y="0"/>
+          <a:ext cx="0" cy="0"/>
+          <a:chOff x="0" y="0"/>
+          <a:chExt cx="0" cy="0"/>
+        </a:xfrm>
+      </p:grpSpPr>
+      <p:sp>
+        <p:nvSpPr>
+          <p:cNvPr id="2" name="Title 1"/>
+          <p:cNvSpPr>
+            <a:spLocks noGrp="1"/>
+          </p:cNvSpPr>
+          <p:nvPr>
+            <p:ph type="title"/>
+          </p:nvPr>
+        </p:nvSpPr>
+        <p:spPr/>
+        <p:txBody>
+          <a:bodyPr/>
+          <a:lstStyle/>
+          <a:p>
+            <a:r>
+              <a:rPr lang="en-US" dirty="0" smtClean="0"/>
+              <a:t>Motivation for designing a classifier</a:t>
+            </a:r>
+            <a:endParaRPr lang="en-US" dirty="0"/>
+          </a:p>
+        </p:txBody>
+      </p:sp>
+      <p:sp>
+        <p:nvSpPr>
+          <p:cNvPr id="3" name="Content Placeholder 2"/>
+          <p:cNvSpPr>
+            <a:spLocks noGrp="1"/>
+          </p:cNvSpPr>
+          <p:nvPr>
+            <p:ph idx="1"/>
+          </p:nvPr>
+        </p:nvSpPr>
+        <p:spPr>
+          <a:xfrm>
+            <a:off x="838200" y="1510145"/>
+            <a:ext cx="10515600" cy="4666818"/>
+          </a:xfrm>
+        </p:spPr>
+        <p:txBody>
+          <a:bodyPr/>
+          <a:lstStyle/>
+          <a:p>
+            <a:r>
+              <a:rPr lang="en-US" dirty="0" smtClean="0"/>
+              <a:t>The data represents reading from an EEG machine of brain activity.</a:t>
+            </a:r>
+          </a:p>
+          <a:p>
+            <a:endParaRPr lang="en-US" dirty="0" smtClean="0"/>
+          </a:p>
+          <a:p>
+            <a:r>
+              <a:rPr lang="en-US" dirty="0" smtClean="0"/>
+              <a:t>Developing a classifier will help in evaluating if the patient is prone to seizures.</a:t>
+            </a:r>
+          </a:p>
+          <a:p>
+            <a:endParaRPr lang="en-US" dirty="0" smtClean="0"/>
+          </a:p>
+          <a:p>
+            <a:r>
+              <a:rPr lang="en-US" dirty="0" smtClean="0"/>
+              <a:t>This classifier itself can be part of the EEG apparatus. This could help flag potential epileptic patients.</a:t>
+            </a:r>
+            <a:endParaRPr lang="en-US" dirty="0"/>
+          </a:p>
+        </p:txBody>
+      </p:sp>
+    </p:spTree>
+    <p:extLst>
+      <p:ext uri="{BB962C8B-B14F-4D97-AF65-F5344CB8AC3E}">
+        <p14:creationId xmlns:p14="http://schemas.microsoft.com/office/powerpoint/2010/main" val="3227773223"/>
+      </p:ext>
+    </p:extLst>
+  </p:cSld>
+  <p:clrMapOvr>
+    <a:masterClrMapping/>
+  </p:clrMapOvr>
+</p:sld>
+</file>
+
+<file path=ppt/slides/slide4.xml><?xml version="1.0" encoding="utf-8"?>
+<p:sld xmlns:a="http://schemas.openxmlformats.org/drawingml/2006/main" xmlns:r="http://schemas.openxmlformats.org/officeDocument/2006/relationships" xmlns:p="http://schemas.openxmlformats.org/presentationml/2006/main">
+  <p:cSld>
+    <p:spTree>
+      <p:nvGrpSpPr>
+        <p:cNvPr id="1" name=""/>
+        <p:cNvGrpSpPr/>
+        <p:nvPr/>
+      </p:nvGrpSpPr>
+      <p:grpSpPr>
+        <a:xfrm>
+          <a:off x="0" y="0"/>
+          <a:ext cx="0" cy="0"/>
+          <a:chOff x="0" y="0"/>
+          <a:chExt cx="0" cy="0"/>
+        </a:xfrm>
+      </p:grpSpPr>
+      <p:sp>
+        <p:nvSpPr>
+          <p:cNvPr id="2" name="Title 1"/>
+          <p:cNvSpPr>
+            <a:spLocks noGrp="1"/>
+          </p:cNvSpPr>
+          <p:nvPr>
+            <p:ph type="title"/>
+          </p:nvPr>
+        </p:nvSpPr>
+        <p:spPr/>
+        <p:txBody>
+          <a:bodyPr/>
+          <a:lstStyle/>
+          <a:p>
+            <a:r>
+              <a:rPr lang="en-US" dirty="0" smtClean="0"/>
+              <a:t>Approach</a:t>
+            </a:r>
+            <a:endParaRPr lang="en-US" dirty="0"/>
+          </a:p>
+        </p:txBody>
+      </p:sp>
+      <p:sp>
+        <p:nvSpPr>
+          <p:cNvPr id="3" name="Content Placeholder 2"/>
+          <p:cNvSpPr>
+            <a:spLocks noGrp="1"/>
+          </p:cNvSpPr>
+          <p:nvPr>
+            <p:ph idx="1"/>
+          </p:nvPr>
+        </p:nvSpPr>
+        <p:spPr/>
+        <p:txBody>
+          <a:bodyPr/>
+          <a:lstStyle/>
+          <a:p>
+            <a:r>
+              <a:rPr lang="en-US" dirty="0" smtClean="0"/>
+              <a:t>Perform Exploratory data analysis.</a:t>
+            </a:r>
+          </a:p>
+          <a:p>
+            <a:r>
+              <a:rPr lang="en-US" dirty="0" smtClean="0"/>
+              <a:t>Perform Inferential statistics</a:t>
+            </a:r>
+          </a:p>
+          <a:p>
+            <a:r>
+              <a:rPr lang="en-US" dirty="0" smtClean="0"/>
+              <a:t>Pre processing steps based on Data analysis.</a:t>
+            </a:r>
+          </a:p>
+          <a:p>
+            <a:r>
+              <a:rPr lang="en-US" dirty="0" smtClean="0"/>
+              <a:t>Run classification algorithms</a:t>
+            </a:r>
+          </a:p>
+          <a:p>
+            <a:r>
+              <a:rPr lang="en-US" dirty="0" smtClean="0"/>
+              <a:t>Identify the best classification algorithm</a:t>
+            </a:r>
+          </a:p>
+          <a:p>
+            <a:r>
+              <a:rPr lang="en-US" dirty="0" smtClean="0"/>
+              <a:t>Create a </a:t>
+            </a:r>
+            <a:r>
+              <a:rPr lang="en-US" dirty="0" err="1" smtClean="0"/>
+              <a:t>webservice</a:t>
+            </a:r>
+            <a:r>
+              <a:rPr lang="en-US" dirty="0" smtClean="0"/>
+              <a:t> to make the model available </a:t>
+            </a:r>
+            <a:endParaRPr lang="en-US" dirty="0"/>
+          </a:p>
+        </p:txBody>
+      </p:sp>
+    </p:spTree>
+    <p:extLst>
+      <p:ext uri="{BB962C8B-B14F-4D97-AF65-F5344CB8AC3E}">
+        <p14:creationId xmlns:p14="http://schemas.microsoft.com/office/powerpoint/2010/main" val="1459910754"/>
+      </p:ext>
+    </p:extLst>
+  </p:cSld>
+  <p:clrMapOvr>
+    <a:masterClrMapping/>
+  </p:clrMapOvr>
+</p:sld>
+</file>
+
+<file path=ppt/slides/slide5.xml><?xml version="1.0" encoding="utf-8"?>
+<p:sld xmlns:a="http://schemas.openxmlformats.org/drawingml/2006/main" xmlns:r="http://schemas.openxmlformats.org/officeDocument/2006/relationships" xmlns:p="http://schemas.openxmlformats.org/presentationml/2006/main">
+  <p:cSld>
+    <p:spTree>
+      <p:nvGrpSpPr>
+        <p:cNvPr id="1" name=""/>
+        <p:cNvGrpSpPr/>
+        <p:nvPr/>
+      </p:nvGrpSpPr>
+      <p:grpSpPr>
+        <a:xfrm>
+          <a:off x="0" y="0"/>
+          <a:ext cx="0" cy="0"/>
+          <a:chOff x="0" y="0"/>
+          <a:chExt cx="0" cy="0"/>
+        </a:xfrm>
+      </p:grpSpPr>
+      <p:sp>
+        <p:nvSpPr>
+          <p:cNvPr id="2" name="Title 1"/>
+          <p:cNvSpPr>
+            <a:spLocks noGrp="1"/>
+          </p:cNvSpPr>
+          <p:nvPr>
+            <p:ph type="title"/>
+          </p:nvPr>
+        </p:nvSpPr>
+        <p:spPr/>
+        <p:txBody>
+          <a:bodyPr/>
+          <a:lstStyle/>
+          <a:p>
+            <a:r>
+              <a:rPr lang="en-US" dirty="0" smtClean="0"/>
+              <a:t>Exploratory Data Analysis - 1</a:t>
+            </a:r>
+            <a:endParaRPr lang="en-US" dirty="0"/>
+          </a:p>
+        </p:txBody>
+      </p:sp>
+      <p:pic>
+        <p:nvPicPr>
+          <p:cNvPr id="5" name="Picture 4"/>
+          <p:cNvPicPr>
+            <a:picLocks noChangeAspect="1"/>
+          </p:cNvPicPr>
+          <p:nvPr/>
+        </p:nvPicPr>
+        <p:blipFill>
+          <a:blip r:embed="rId2"/>
+          <a:stretch>
+            <a:fillRect/>
+          </a:stretch>
+        </p:blipFill>
+        <p:spPr>
+          <a:xfrm>
+            <a:off x="982806" y="2026228"/>
+            <a:ext cx="10370993" cy="2662532"/>
+          </a:xfrm>
+          <a:prstGeom prst="rect">
+            <a:avLst/>
+          </a:prstGeom>
+        </p:spPr>
+      </p:pic>
+      <p:sp>
+        <p:nvSpPr>
+          <p:cNvPr id="6" name="TextBox 5"/>
+          <p:cNvSpPr txBox="1"/>
+          <p:nvPr/>
+        </p:nvSpPr>
+        <p:spPr>
+          <a:xfrm>
+            <a:off x="982806" y="5250873"/>
+            <a:ext cx="10142394" cy="646331"/>
+          </a:xfrm>
+          <a:prstGeom prst="rect">
+            <a:avLst/>
+          </a:prstGeom>
+          <a:noFill/>
+        </p:spPr>
+        <p:txBody>
+          <a:bodyPr wrap="square" rtlCol="0">
+            <a:spAutoFit/>
+          </a:bodyPr>
+          <a:lstStyle/>
+          <a:p>
+            <a:r>
+              <a:rPr lang="en-US" dirty="0" smtClean="0"/>
+              <a:t>Y is the response or dependent variable</a:t>
+            </a:r>
+          </a:p>
+          <a:p>
+            <a:r>
+              <a:rPr lang="en-US" dirty="0" smtClean="0"/>
+              <a:t>X1..X178 are the readings from the EEG.</a:t>
+            </a:r>
+            <a:endParaRPr lang="en-US" dirty="0"/>
+          </a:p>
+        </p:txBody>
+      </p:sp>
+    </p:spTree>
+    <p:extLst>
+      <p:ext uri="{BB962C8B-B14F-4D97-AF65-F5344CB8AC3E}">
+        <p14:creationId xmlns:p14="http://schemas.microsoft.com/office/powerpoint/2010/main" val="1892995766"/>
+      </p:ext>
+    </p:extLst>
+  </p:cSld>
+  <p:clrMapOvr>
+    <a:masterClrMapping/>
+  </p:clrMapOvr>
+</p:sld>
+</file>
+
+<file path=ppt/slides/slide6.xml><?xml version="1.0" encoding="utf-8"?>
+<p:sld xmlns:a="http://schemas.openxmlformats.org/drawingml/2006/main" xmlns:r="http://schemas.openxmlformats.org/officeDocument/2006/relationships" xmlns:p="http://schemas.openxmlformats.org/presentationml/2006/main">
+  <p:cSld>
+    <p:spTree>
+      <p:nvGrpSpPr>
+        <p:cNvPr id="1" name=""/>
+        <p:cNvGrpSpPr/>
+        <p:nvPr/>
+      </p:nvGrpSpPr>
+      <p:grpSpPr>
+        <a:xfrm>
+          <a:off x="0" y="0"/>
+          <a:ext cx="0" cy="0"/>
+          <a:chOff x="0" y="0"/>
+          <a:chExt cx="0" cy="0"/>
+        </a:xfrm>
+      </p:grpSpPr>
+      <p:sp>
+        <p:nvSpPr>
+          <p:cNvPr id="2" name="Title 1"/>
+          <p:cNvSpPr>
+            <a:spLocks noGrp="1"/>
+          </p:cNvSpPr>
+          <p:nvPr>
+            <p:ph type="title"/>
+          </p:nvPr>
+        </p:nvSpPr>
+        <p:spPr/>
+        <p:txBody>
+          <a:bodyPr/>
+          <a:lstStyle/>
+          <a:p>
+            <a:r>
+              <a:rPr lang="en-US" dirty="0" smtClean="0"/>
+              <a:t>Exploratory Data Analysis - 2</a:t>
+            </a:r>
+            <a:endParaRPr lang="en-US" dirty="0"/>
+          </a:p>
+        </p:txBody>
+      </p:sp>
+      <p:sp>
+        <p:nvSpPr>
+          <p:cNvPr id="6" name="TextBox 5"/>
+          <p:cNvSpPr txBox="1"/>
+          <p:nvPr/>
+        </p:nvSpPr>
+        <p:spPr>
+          <a:xfrm>
+            <a:off x="982806" y="5250873"/>
+            <a:ext cx="10142394" cy="923330"/>
+          </a:xfrm>
+          <a:prstGeom prst="rect">
+            <a:avLst/>
+          </a:prstGeom>
+          <a:noFill/>
+        </p:spPr>
+        <p:txBody>
+          <a:bodyPr wrap="square" rtlCol="0">
+            <a:spAutoFit/>
+          </a:bodyPr>
+          <a:lstStyle/>
+          <a:p>
+            <a:r>
+              <a:rPr lang="en-US" dirty="0" smtClean="0"/>
+              <a:t>A cursory glance at the Summary statistics shows</a:t>
+            </a:r>
+          </a:p>
+          <a:p>
+            <a:pPr marL="285750" indent="-285750">
+              <a:buFont typeface="Arial" panose="020B0604020202020204" pitchFamily="34" charset="0"/>
+              <a:buChar char="•"/>
+            </a:pPr>
+            <a:r>
+              <a:rPr lang="en-US" dirty="0" smtClean="0"/>
+              <a:t>No </a:t>
+            </a:r>
+            <a:r>
+              <a:rPr lang="en-US" dirty="0"/>
+              <a:t>m</a:t>
+            </a:r>
+            <a:r>
+              <a:rPr lang="en-US" dirty="0" smtClean="0"/>
+              <a:t>issing values</a:t>
+            </a:r>
+          </a:p>
+          <a:p>
+            <a:pPr marL="285750" indent="-285750">
+              <a:buFont typeface="Arial" panose="020B0604020202020204" pitchFamily="34" charset="0"/>
+              <a:buChar char="•"/>
+            </a:pPr>
+            <a:r>
+              <a:rPr lang="en-US" dirty="0" smtClean="0"/>
+              <a:t>There is no need to normalize the dataset, since all variables have the same scale.</a:t>
+            </a:r>
+          </a:p>
+        </p:txBody>
+      </p:sp>
+      <p:pic>
+        <p:nvPicPr>
+          <p:cNvPr id="3" name="Picture 2"/>
+          <p:cNvPicPr>
+            <a:picLocks noChangeAspect="1"/>
+          </p:cNvPicPr>
+          <p:nvPr/>
+        </p:nvPicPr>
+        <p:blipFill>
+          <a:blip r:embed="rId2"/>
+          <a:stretch>
+            <a:fillRect/>
+          </a:stretch>
+        </p:blipFill>
+        <p:spPr>
+          <a:xfrm>
+            <a:off x="800100" y="1690688"/>
+            <a:ext cx="10591800" cy="2619375"/>
+          </a:xfrm>
+          <a:prstGeom prst="rect">
+            <a:avLst/>
+          </a:prstGeom>
+        </p:spPr>
+      </p:pic>
+    </p:spTree>
+    <p:extLst>
+      <p:ext uri="{BB962C8B-B14F-4D97-AF65-F5344CB8AC3E}">
+        <p14:creationId xmlns:p14="http://schemas.microsoft.com/office/powerpoint/2010/main" val="3502988764"/>
+      </p:ext>
+    </p:extLst>
+  </p:cSld>
+  <p:clrMapOvr>
+    <a:masterClrMapping/>
+  </p:clrMapOvr>
+</p:sld>
+</file>
+
+<file path=ppt/slides/slide7.xml><?xml version="1.0" encoding="utf-8"?>
+<p:sld xmlns:a="http://schemas.openxmlformats.org/drawingml/2006/main" xmlns:r="http://schemas.openxmlformats.org/officeDocument/2006/relationships" xmlns:p="http://schemas.openxmlformats.org/presentationml/2006/main">
+  <p:cSld>
+    <p:spTree>
+      <p:nvGrpSpPr>
+        <p:cNvPr id="1" name=""/>
+        <p:cNvGrpSpPr/>
+        <p:nvPr/>
+      </p:nvGrpSpPr>
+      <p:grpSpPr>
+        <a:xfrm>
+          <a:off x="0" y="0"/>
+          <a:ext cx="0" cy="0"/>
+          <a:chOff x="0" y="0"/>
+          <a:chExt cx="0" cy="0"/>
+        </a:xfrm>
+      </p:grpSpPr>
+      <p:sp>
+        <p:nvSpPr>
+          <p:cNvPr id="2" name="Title 1"/>
+          <p:cNvSpPr>
+            <a:spLocks noGrp="1"/>
+          </p:cNvSpPr>
+          <p:nvPr>
+            <p:ph type="title"/>
+          </p:nvPr>
+        </p:nvSpPr>
+        <p:spPr/>
+        <p:txBody>
+          <a:bodyPr/>
+          <a:lstStyle/>
+          <a:p>
+            <a:r>
+              <a:rPr lang="en-US" dirty="0" smtClean="0"/>
+              <a:t>Exploratory Data Analysis - 3</a:t>
+            </a:r>
+            <a:endParaRPr lang="en-US" dirty="0"/>
+          </a:p>
+        </p:txBody>
+      </p:sp>
+      <p:sp>
+        <p:nvSpPr>
+          <p:cNvPr id="6" name="TextBox 5"/>
+          <p:cNvSpPr txBox="1"/>
+          <p:nvPr/>
+        </p:nvSpPr>
+        <p:spPr>
+          <a:xfrm>
+            <a:off x="838200" y="5294977"/>
+            <a:ext cx="10674927" cy="1200329"/>
+          </a:xfrm>
+          <a:prstGeom prst="rect">
+            <a:avLst/>
+          </a:prstGeom>
+          <a:noFill/>
+        </p:spPr>
+        <p:txBody>
+          <a:bodyPr wrap="square" rtlCol="0">
+            <a:spAutoFit/>
+          </a:bodyPr>
+          <a:lstStyle/>
+          <a:p>
+            <a:r>
+              <a:rPr lang="en-US" dirty="0" smtClean="0"/>
+              <a:t>There are 5 different labels/ Dependent variables.</a:t>
+            </a:r>
+          </a:p>
+          <a:p>
+            <a:r>
+              <a:rPr lang="en-US" dirty="0" smtClean="0"/>
+              <a:t>Label 1 indicates an Epileptic patient. All other Labels indicate a Non Epileptic patient.</a:t>
+            </a:r>
+          </a:p>
+          <a:p>
+            <a:r>
+              <a:rPr lang="en-US" dirty="0" smtClean="0"/>
+              <a:t>There is a class imbalance between the Epileptic and a Non Epileptic patient.</a:t>
+            </a:r>
+            <a:r>
+              <a:rPr lang="en-US" dirty="0"/>
+              <a:t> </a:t>
+            </a:r>
+            <a:r>
+              <a:rPr lang="en-US" dirty="0" smtClean="0"/>
+              <a:t>We will handle this during the pre processing of the data.</a:t>
+            </a:r>
+          </a:p>
+        </p:txBody>
+      </p:sp>
+      <p:pic>
+        <p:nvPicPr>
+          <p:cNvPr id="4" name="Picture 3"/>
+          <p:cNvPicPr>
+            <a:picLocks noChangeAspect="1"/>
+          </p:cNvPicPr>
+          <p:nvPr/>
+        </p:nvPicPr>
+        <p:blipFill>
+          <a:blip r:embed="rId2"/>
+          <a:stretch>
+            <a:fillRect/>
+          </a:stretch>
+        </p:blipFill>
+        <p:spPr>
+          <a:xfrm>
+            <a:off x="2257424" y="1485900"/>
+            <a:ext cx="5625811" cy="3611632"/>
+          </a:xfrm>
+          <a:prstGeom prst="rect">
+            <a:avLst/>
+          </a:prstGeom>
+        </p:spPr>
+      </p:pic>
+    </p:spTree>
+    <p:extLst>
+      <p:ext uri="{BB962C8B-B14F-4D97-AF65-F5344CB8AC3E}">
+        <p14:creationId xmlns:p14="http://schemas.microsoft.com/office/powerpoint/2010/main" val="3221469843"/>
+      </p:ext>
+    </p:extLst>
+  </p:cSld>
+  <p:clrMapOvr>
+    <a:masterClrMapping/>
+  </p:clrMapOvr>
+</p:sld>
+</file>
+
+<file path=ppt/slides/slide8.xml><?xml version="1.0" encoding="utf-8"?>
+<p:sld xmlns:a="http://schemas.openxmlformats.org/drawingml/2006/main" xmlns:r="http://schemas.openxmlformats.org/officeDocument/2006/relationships" xmlns:p="http://schemas.openxmlformats.org/presentationml/2006/main">
+  <p:cSld>
+    <p:spTree>
+      <p:nvGrpSpPr>
+        <p:cNvPr id="1" name=""/>
+        <p:cNvGrpSpPr/>
+        <p:nvPr/>
+      </p:nvGrpSpPr>
+      <p:grpSpPr>
+        <a:xfrm>
+          <a:off x="0" y="0"/>
+          <a:ext cx="0" cy="0"/>
+          <a:chOff x="0" y="0"/>
+          <a:chExt cx="0" cy="0"/>
+        </a:xfrm>
+      </p:grpSpPr>
+      <p:sp>
+        <p:nvSpPr>
+          <p:cNvPr id="2" name="Title 1"/>
+          <p:cNvSpPr>
+            <a:spLocks noGrp="1"/>
+          </p:cNvSpPr>
+          <p:nvPr>
+            <p:ph type="title"/>
+          </p:nvPr>
+        </p:nvSpPr>
+        <p:spPr/>
+        <p:txBody>
+          <a:bodyPr/>
+          <a:lstStyle/>
+          <a:p>
+            <a:r>
+              <a:rPr lang="en-US" dirty="0" smtClean="0"/>
+              <a:t>Exploratory Data Analysis - 4</a:t>
+            </a:r>
+            <a:endParaRPr lang="en-US" dirty="0"/>
+          </a:p>
+        </p:txBody>
+      </p:sp>
+      <p:sp>
+        <p:nvSpPr>
+          <p:cNvPr id="6" name="TextBox 5"/>
+          <p:cNvSpPr txBox="1"/>
+          <p:nvPr/>
+        </p:nvSpPr>
+        <p:spPr>
+          <a:xfrm>
+            <a:off x="838200" y="5294977"/>
+            <a:ext cx="10674927" cy="369332"/>
+          </a:xfrm>
+          <a:prstGeom prst="rect">
+            <a:avLst/>
+          </a:prstGeom>
+          <a:noFill/>
+        </p:spPr>
+        <p:txBody>
+          <a:bodyPr wrap="square" rtlCol="0">
+            <a:spAutoFit/>
+          </a:bodyPr>
+          <a:lstStyle/>
+          <a:p>
+            <a:r>
+              <a:rPr lang="en-US" dirty="0" smtClean="0"/>
+              <a:t>It can be clearly seen that Epileptic cases (Y=1) have a high variation across all attributes</a:t>
+            </a:r>
+          </a:p>
+        </p:txBody>
+      </p:sp>
+      <p:pic>
+        <p:nvPicPr>
+          <p:cNvPr id="5" name="Picture 4"/>
+          <p:cNvPicPr>
+            <a:picLocks noChangeAspect="1"/>
+          </p:cNvPicPr>
+          <p:nvPr/>
+        </p:nvPicPr>
+        <p:blipFill>
+          <a:blip r:embed="rId2"/>
+          <a:stretch>
+            <a:fillRect/>
+          </a:stretch>
+        </p:blipFill>
+        <p:spPr>
+          <a:xfrm>
+            <a:off x="2844944" y="1690688"/>
+            <a:ext cx="5370801" cy="3331788"/>
+          </a:xfrm>
+          <a:prstGeom prst="rect">
+            <a:avLst/>
+          </a:prstGeom>
+        </p:spPr>
+      </p:pic>
+    </p:spTree>
+    <p:extLst>
+      <p:ext uri="{BB962C8B-B14F-4D97-AF65-F5344CB8AC3E}">
+        <p14:creationId xmlns:p14="http://schemas.microsoft.com/office/powerpoint/2010/main" val="2807446643"/>
+      </p:ext>
+    </p:extLst>
+  </p:cSld>
+  <p:clrMapOvr>
+    <a:masterClrMapping/>
+  </p:clrMapOvr>
+</p:sld>
+</file>
+
+<file path=ppt/slides/slide9.xml><?xml version="1.0" encoding="utf-8"?>
+<p:sld xmlns:a="http://schemas.openxmlformats.org/drawingml/2006/main" xmlns:r="http://schemas.openxmlformats.org/officeDocument/2006/relationships" xmlns:p="http://schemas.openxmlformats.org/presentationml/2006/main">
+  <p:cSld>
+    <p:spTree>
+      <p:nvGrpSpPr>
+        <p:cNvPr id="1" name=""/>
+        <p:cNvGrpSpPr/>
+        <p:nvPr/>
+      </p:nvGrpSpPr>
+      <p:grpSpPr>
+        <a:xfrm>
+          <a:off x="0" y="0"/>
+          <a:ext cx="0" cy="0"/>
+          <a:chOff x="0" y="0"/>
+          <a:chExt cx="0" cy="0"/>
+        </a:xfrm>
+      </p:grpSpPr>
+      <p:sp>
+        <p:nvSpPr>
+          <p:cNvPr id="2" name="Title 1"/>
+          <p:cNvSpPr>
+            <a:spLocks noGrp="1"/>
+          </p:cNvSpPr>
+          <p:nvPr>
+            <p:ph type="title"/>
+          </p:nvPr>
+        </p:nvSpPr>
+        <p:spPr/>
+        <p:txBody>
+          <a:bodyPr/>
+          <a:lstStyle/>
+          <a:p>
+            <a:r>
+              <a:rPr lang="en-US" dirty="0" smtClean="0"/>
+              <a:t>Inferential Statistics – Test for Normality -1</a:t>
+            </a:r>
+            <a:endParaRPr lang="en-US" dirty="0"/>
+          </a:p>
+        </p:txBody>
+      </p:sp>
+      <p:pic>
+        <p:nvPicPr>
+          <p:cNvPr id="4" name="Picture 3"/>
+          <p:cNvPicPr>
+            <a:picLocks noChangeAspect="1"/>
+          </p:cNvPicPr>
+          <p:nvPr/>
+        </p:nvPicPr>
+        <p:blipFill>
+          <a:blip r:embed="rId2"/>
+          <a:stretch>
+            <a:fillRect/>
+          </a:stretch>
+        </p:blipFill>
+        <p:spPr>
+          <a:xfrm>
+            <a:off x="2433637" y="1358177"/>
+            <a:ext cx="5006254" cy="3679429"/>
+          </a:xfrm>
+          <a:prstGeom prst="rect">
+            <a:avLst/>
+          </a:prstGeom>
+        </p:spPr>
+      </p:pic>
+      <p:sp>
+        <p:nvSpPr>
+          <p:cNvPr id="5" name="TextBox 4"/>
+          <p:cNvSpPr txBox="1"/>
+          <p:nvPr/>
+        </p:nvSpPr>
+        <p:spPr>
+          <a:xfrm>
+            <a:off x="838200" y="5294977"/>
+            <a:ext cx="10674927" cy="923330"/>
+          </a:xfrm>
+          <a:prstGeom prst="rect">
+            <a:avLst/>
+          </a:prstGeom>
+          <a:noFill/>
+        </p:spPr>
+        <p:txBody>
+          <a:bodyPr wrap="square" rtlCol="0">
+            <a:spAutoFit/>
+          </a:bodyPr>
+          <a:lstStyle/>
+          <a:p>
+            <a:r>
+              <a:rPr lang="en-US" dirty="0" smtClean="0"/>
+              <a:t>None of the variables are Normally distributed. The above is normal test . The High values (highlighted in red) and p value of 0 (highlighted in blue) indicate we can reject the null Hypothesis (The data is normally distributed)c</a:t>
+            </a:r>
+          </a:p>
+        </p:txBody>
+      </p:sp>
+    </p:spTree>
+    <p:extLst>
+      <p:ext uri="{BB962C8B-B14F-4D97-AF65-F5344CB8AC3E}">
+        <p14:creationId xmlns:p14="http://schemas.microsoft.com/office/powerpoint/2010/main" val="3918067285"/>
       </p:ext>
     </p:extLst>
   </p:cSld>
